--- a/TheRED조은강의.pptx
+++ b/TheRED조은강의.pptx
@@ -11,6 +11,9 @@
     <p:sldId id="259" r:id="rId5"/>
     <p:sldId id="260" r:id="rId6"/>
     <p:sldId id="261" r:id="rId7"/>
+    <p:sldId id="262" r:id="rId8"/>
+    <p:sldId id="263" r:id="rId9"/>
+    <p:sldId id="264" r:id="rId10"/>
   </p:sldIdLst>
   <p:sldSz cx="12192000" cy="6858000"/>
   <p:notesSz cx="6858000" cy="9144000"/>
@@ -264,7 +267,7 @@
           <a:p>
             <a:fld id="{BC703249-F1B0-4CB9-82DC-5D06A92D2087}" type="datetimeFigureOut">
               <a:rPr lang="ko-KR" altLang="en-US" smtClean="0"/>
-              <a:t>2022-04-13</a:t>
+              <a:t>2022-04-23</a:t>
             </a:fld>
             <a:endParaRPr lang="ko-KR" altLang="en-US"/>
           </a:p>
@@ -462,7 +465,7 @@
           <a:p>
             <a:fld id="{BC703249-F1B0-4CB9-82DC-5D06A92D2087}" type="datetimeFigureOut">
               <a:rPr lang="ko-KR" altLang="en-US" smtClean="0"/>
-              <a:t>2022-04-13</a:t>
+              <a:t>2022-04-23</a:t>
             </a:fld>
             <a:endParaRPr lang="ko-KR" altLang="en-US"/>
           </a:p>
@@ -670,7 +673,7 @@
           <a:p>
             <a:fld id="{BC703249-F1B0-4CB9-82DC-5D06A92D2087}" type="datetimeFigureOut">
               <a:rPr lang="ko-KR" altLang="en-US" smtClean="0"/>
-              <a:t>2022-04-13</a:t>
+              <a:t>2022-04-23</a:t>
             </a:fld>
             <a:endParaRPr lang="ko-KR" altLang="en-US"/>
           </a:p>
@@ -868,7 +871,7 @@
           <a:p>
             <a:fld id="{BC703249-F1B0-4CB9-82DC-5D06A92D2087}" type="datetimeFigureOut">
               <a:rPr lang="ko-KR" altLang="en-US" smtClean="0"/>
-              <a:t>2022-04-13</a:t>
+              <a:t>2022-04-23</a:t>
             </a:fld>
             <a:endParaRPr lang="ko-KR" altLang="en-US"/>
           </a:p>
@@ -1143,7 +1146,7 @@
           <a:p>
             <a:fld id="{BC703249-F1B0-4CB9-82DC-5D06A92D2087}" type="datetimeFigureOut">
               <a:rPr lang="ko-KR" altLang="en-US" smtClean="0"/>
-              <a:t>2022-04-13</a:t>
+              <a:t>2022-04-23</a:t>
             </a:fld>
             <a:endParaRPr lang="ko-KR" altLang="en-US"/>
           </a:p>
@@ -1408,7 +1411,7 @@
           <a:p>
             <a:fld id="{BC703249-F1B0-4CB9-82DC-5D06A92D2087}" type="datetimeFigureOut">
               <a:rPr lang="ko-KR" altLang="en-US" smtClean="0"/>
-              <a:t>2022-04-13</a:t>
+              <a:t>2022-04-23</a:t>
             </a:fld>
             <a:endParaRPr lang="ko-KR" altLang="en-US"/>
           </a:p>
@@ -1820,7 +1823,7 @@
           <a:p>
             <a:fld id="{BC703249-F1B0-4CB9-82DC-5D06A92D2087}" type="datetimeFigureOut">
               <a:rPr lang="ko-KR" altLang="en-US" smtClean="0"/>
-              <a:t>2022-04-13</a:t>
+              <a:t>2022-04-23</a:t>
             </a:fld>
             <a:endParaRPr lang="ko-KR" altLang="en-US"/>
           </a:p>
@@ -1961,7 +1964,7 @@
           <a:p>
             <a:fld id="{BC703249-F1B0-4CB9-82DC-5D06A92D2087}" type="datetimeFigureOut">
               <a:rPr lang="ko-KR" altLang="en-US" smtClean="0"/>
-              <a:t>2022-04-13</a:t>
+              <a:t>2022-04-23</a:t>
             </a:fld>
             <a:endParaRPr lang="ko-KR" altLang="en-US"/>
           </a:p>
@@ -2074,7 +2077,7 @@
           <a:p>
             <a:fld id="{BC703249-F1B0-4CB9-82DC-5D06A92D2087}" type="datetimeFigureOut">
               <a:rPr lang="ko-KR" altLang="en-US" smtClean="0"/>
-              <a:t>2022-04-13</a:t>
+              <a:t>2022-04-23</a:t>
             </a:fld>
             <a:endParaRPr lang="ko-KR" altLang="en-US"/>
           </a:p>
@@ -2385,7 +2388,7 @@
           <a:p>
             <a:fld id="{BC703249-F1B0-4CB9-82DC-5D06A92D2087}" type="datetimeFigureOut">
               <a:rPr lang="ko-KR" altLang="en-US" smtClean="0"/>
-              <a:t>2022-04-13</a:t>
+              <a:t>2022-04-23</a:t>
             </a:fld>
             <a:endParaRPr lang="ko-KR" altLang="en-US"/>
           </a:p>
@@ -2673,7 +2676,7 @@
           <a:p>
             <a:fld id="{BC703249-F1B0-4CB9-82DC-5D06A92D2087}" type="datetimeFigureOut">
               <a:rPr lang="ko-KR" altLang="en-US" smtClean="0"/>
-              <a:t>2022-04-13</a:t>
+              <a:t>2022-04-23</a:t>
             </a:fld>
             <a:endParaRPr lang="ko-KR" altLang="en-US"/>
           </a:p>
@@ -2914,7 +2917,7 @@
           <a:p>
             <a:fld id="{BC703249-F1B0-4CB9-82DC-5D06A92D2087}" type="datetimeFigureOut">
               <a:rPr lang="ko-KR" altLang="en-US" smtClean="0"/>
-              <a:t>2022-04-13</a:t>
+              <a:t>2022-04-23</a:t>
             </a:fld>
             <a:endParaRPr lang="ko-KR" altLang="en-US"/>
           </a:p>
@@ -7243,7 +7246,7 @@
         </p:nvSpPr>
         <p:spPr>
           <a:xfrm>
-            <a:off x="1444487" y="267598"/>
+            <a:off x="1444487" y="237781"/>
             <a:ext cx="9144000" cy="815767"/>
           </a:xfrm>
         </p:spPr>
@@ -7255,9 +7258,286 @@
           <a:p>
             <a:r>
               <a:rPr lang="en-US" altLang="ko-KR" sz="3600" dirty="0"/>
-              <a:t>5.  </a:t>
+              <a:t>5. Micro Services Architectures </a:t>
             </a:r>
             <a:endParaRPr lang="ko-KR" altLang="en-US" sz="3600" dirty="0"/>
+          </a:p>
+        </p:txBody>
+      </p:sp>
+      <p:sp>
+        <p:nvSpPr>
+          <p:cNvPr id="3" name="직사각형 2">
+            <a:extLst>
+              <a:ext uri="{FF2B5EF4-FFF2-40B4-BE49-F238E27FC236}">
+                <a16:creationId xmlns:a16="http://schemas.microsoft.com/office/drawing/2014/main" id="{3D76542D-9D02-41B0-BD64-EA3A41D78A32}"/>
+              </a:ext>
+            </a:extLst>
+          </p:cNvPr>
+          <p:cNvSpPr/>
+          <p:nvPr/>
+        </p:nvSpPr>
+        <p:spPr>
+          <a:xfrm>
+            <a:off x="1192696" y="1570383"/>
+            <a:ext cx="1083365" cy="596347"/>
+          </a:xfrm>
+          <a:prstGeom prst="rect">
+            <a:avLst/>
+          </a:prstGeom>
+        </p:spPr>
+        <p:style>
+          <a:lnRef idx="2">
+            <a:schemeClr val="accent1">
+              <a:shade val="50000"/>
+            </a:schemeClr>
+          </a:lnRef>
+          <a:fillRef idx="1">
+            <a:schemeClr val="accent1"/>
+          </a:fillRef>
+          <a:effectRef idx="0">
+            <a:schemeClr val="accent1"/>
+          </a:effectRef>
+          <a:fontRef idx="minor">
+            <a:schemeClr val="lt1"/>
+          </a:fontRef>
+        </p:style>
+        <p:txBody>
+          <a:bodyPr rtlCol="0" anchor="ctr"/>
+          <a:lstStyle/>
+          <a:p>
+            <a:pPr algn="ctr"/>
+            <a:r>
+              <a:rPr lang="en-US" altLang="ko-KR" dirty="0"/>
+              <a:t>MSA</a:t>
+            </a:r>
+            <a:endParaRPr lang="ko-KR" altLang="en-US" dirty="0"/>
+          </a:p>
+        </p:txBody>
+      </p:sp>
+      <p:cxnSp>
+        <p:nvCxnSpPr>
+          <p:cNvPr id="5" name="직선 화살표 연결선 4">
+            <a:extLst>
+              <a:ext uri="{FF2B5EF4-FFF2-40B4-BE49-F238E27FC236}">
+                <a16:creationId xmlns:a16="http://schemas.microsoft.com/office/drawing/2014/main" id="{BADF6134-4CD1-4AC2-9508-4164A0A401B7}"/>
+              </a:ext>
+            </a:extLst>
+          </p:cNvPr>
+          <p:cNvCxnSpPr/>
+          <p:nvPr/>
+        </p:nvCxnSpPr>
+        <p:spPr>
+          <a:xfrm>
+            <a:off x="1689652" y="2266122"/>
+            <a:ext cx="0" cy="1550504"/>
+          </a:xfrm>
+          <a:prstGeom prst="straightConnector1">
+            <a:avLst/>
+          </a:prstGeom>
+          <a:ln>
+            <a:headEnd type="triangle"/>
+            <a:tailEnd type="triangle"/>
+          </a:ln>
+        </p:spPr>
+        <p:style>
+          <a:lnRef idx="1">
+            <a:schemeClr val="accent1"/>
+          </a:lnRef>
+          <a:fillRef idx="0">
+            <a:schemeClr val="accent1"/>
+          </a:fillRef>
+          <a:effectRef idx="0">
+            <a:schemeClr val="accent1"/>
+          </a:effectRef>
+          <a:fontRef idx="minor">
+            <a:schemeClr val="tx1"/>
+          </a:fontRef>
+        </p:style>
+      </p:cxnSp>
+      <p:sp>
+        <p:nvSpPr>
+          <p:cNvPr id="6" name="직사각형 5">
+            <a:extLst>
+              <a:ext uri="{FF2B5EF4-FFF2-40B4-BE49-F238E27FC236}">
+                <a16:creationId xmlns:a16="http://schemas.microsoft.com/office/drawing/2014/main" id="{6355BCEE-0D70-4178-A69F-63FA884E6BC3}"/>
+              </a:ext>
+            </a:extLst>
+          </p:cNvPr>
+          <p:cNvSpPr/>
+          <p:nvPr/>
+        </p:nvSpPr>
+        <p:spPr>
+          <a:xfrm>
+            <a:off x="904462" y="4008783"/>
+            <a:ext cx="1570382" cy="596347"/>
+          </a:xfrm>
+          <a:prstGeom prst="rect">
+            <a:avLst/>
+          </a:prstGeom>
+        </p:spPr>
+        <p:style>
+          <a:lnRef idx="2">
+            <a:schemeClr val="accent1">
+              <a:shade val="50000"/>
+            </a:schemeClr>
+          </a:lnRef>
+          <a:fillRef idx="1">
+            <a:schemeClr val="accent1"/>
+          </a:fillRef>
+          <a:effectRef idx="0">
+            <a:schemeClr val="accent1"/>
+          </a:effectRef>
+          <a:fontRef idx="minor">
+            <a:schemeClr val="lt1"/>
+          </a:fontRef>
+        </p:style>
+        <p:txBody>
+          <a:bodyPr rtlCol="0" anchor="ctr"/>
+          <a:lstStyle/>
+          <a:p>
+            <a:pPr algn="ctr"/>
+            <a:r>
+              <a:rPr lang="ko-KR" altLang="en-US" dirty="0" err="1"/>
+              <a:t>모놀리틱</a:t>
+            </a:r>
+            <a:endParaRPr lang="ko-KR" altLang="en-US" dirty="0"/>
+          </a:p>
+        </p:txBody>
+      </p:sp>
+      <p:sp>
+        <p:nvSpPr>
+          <p:cNvPr id="7" name="TextBox 6">
+            <a:extLst>
+              <a:ext uri="{FF2B5EF4-FFF2-40B4-BE49-F238E27FC236}">
+                <a16:creationId xmlns:a16="http://schemas.microsoft.com/office/drawing/2014/main" id="{A78CE37C-158E-4FA3-A4AF-E0343DCD4F44}"/>
+              </a:ext>
+            </a:extLst>
+          </p:cNvPr>
+          <p:cNvSpPr txBox="1"/>
+          <p:nvPr/>
+        </p:nvSpPr>
+        <p:spPr>
+          <a:xfrm flipH="1">
+            <a:off x="2474844" y="1654002"/>
+            <a:ext cx="8369411" cy="1754326"/>
+          </a:xfrm>
+          <a:prstGeom prst="rect">
+            <a:avLst/>
+          </a:prstGeom>
+          <a:noFill/>
+        </p:spPr>
+        <p:txBody>
+          <a:bodyPr wrap="square" rtlCol="0">
+            <a:spAutoFit/>
+          </a:bodyPr>
+          <a:lstStyle/>
+          <a:p>
+            <a:r>
+              <a:rPr lang="ko-KR" altLang="en-US" dirty="0"/>
+              <a:t>서비스 쪼개기</a:t>
+            </a:r>
+            <a:endParaRPr lang="en-US" altLang="ko-KR" dirty="0"/>
+          </a:p>
+          <a:p>
+            <a:r>
+              <a:rPr lang="en-US" altLang="ko-KR" dirty="0"/>
+              <a:t>		1. </a:t>
+            </a:r>
+            <a:r>
+              <a:rPr lang="ko-KR" altLang="en-US" dirty="0"/>
+              <a:t>관심사 분리</a:t>
+            </a:r>
+            <a:endParaRPr lang="en-US" altLang="ko-KR" dirty="0"/>
+          </a:p>
+          <a:p>
+            <a:r>
+              <a:rPr lang="en-US" altLang="ko-KR" dirty="0"/>
+              <a:t>		2. </a:t>
+            </a:r>
+            <a:r>
+              <a:rPr lang="ko-KR" altLang="en-US" dirty="0"/>
+              <a:t>레이어 분리</a:t>
+            </a:r>
+            <a:endParaRPr lang="en-US" altLang="ko-KR" dirty="0"/>
+          </a:p>
+          <a:p>
+            <a:r>
+              <a:rPr lang="en-US" altLang="ko-KR" dirty="0"/>
+              <a:t>		3. </a:t>
+            </a:r>
+            <a:r>
+              <a:rPr lang="ko-KR" altLang="en-US" dirty="0"/>
+              <a:t>서비스로 인터페이스</a:t>
+            </a:r>
+            <a:endParaRPr lang="en-US" altLang="ko-KR" dirty="0"/>
+          </a:p>
+          <a:p>
+            <a:r>
+              <a:rPr lang="en-US" altLang="ko-KR" dirty="0"/>
+              <a:t>		4. </a:t>
+            </a:r>
+            <a:r>
+              <a:rPr lang="ko-KR" altLang="en-US" dirty="0"/>
+              <a:t>조직 구조</a:t>
+            </a:r>
+            <a:endParaRPr lang="en-US" altLang="ko-KR" dirty="0"/>
+          </a:p>
+          <a:p>
+            <a:r>
+              <a:rPr lang="ko-KR" altLang="en-US" dirty="0"/>
+              <a:t>서비스별 </a:t>
+            </a:r>
+            <a:r>
+              <a:rPr lang="en-US" altLang="ko-KR" dirty="0"/>
+              <a:t>API</a:t>
+            </a:r>
+            <a:r>
+              <a:rPr lang="ko-KR" altLang="en-US" dirty="0"/>
+              <a:t>를 모아주는 </a:t>
+            </a:r>
+            <a:r>
+              <a:rPr lang="en-US" altLang="ko-KR" dirty="0"/>
+              <a:t>API </a:t>
+            </a:r>
+            <a:r>
+              <a:rPr lang="ko-KR" altLang="en-US" dirty="0"/>
+              <a:t>게이트웨이 사용</a:t>
+            </a:r>
+          </a:p>
+        </p:txBody>
+      </p:sp>
+      <p:sp>
+        <p:nvSpPr>
+          <p:cNvPr id="8" name="TextBox 7">
+            <a:extLst>
+              <a:ext uri="{FF2B5EF4-FFF2-40B4-BE49-F238E27FC236}">
+                <a16:creationId xmlns:a16="http://schemas.microsoft.com/office/drawing/2014/main" id="{8D87C71C-1CFA-4FC1-9494-76318BFFB176}"/>
+              </a:ext>
+            </a:extLst>
+          </p:cNvPr>
+          <p:cNvSpPr txBox="1"/>
+          <p:nvPr/>
+        </p:nvSpPr>
+        <p:spPr>
+          <a:xfrm>
+            <a:off x="2584174" y="4122290"/>
+            <a:ext cx="6420679" cy="369332"/>
+          </a:xfrm>
+          <a:prstGeom prst="rect">
+            <a:avLst/>
+          </a:prstGeom>
+          <a:noFill/>
+        </p:spPr>
+        <p:txBody>
+          <a:bodyPr wrap="square" rtlCol="0">
+            <a:spAutoFit/>
+          </a:bodyPr>
+          <a:lstStyle/>
+          <a:p>
+            <a:r>
+              <a:rPr lang="ko-KR" altLang="en-US" dirty="0"/>
+              <a:t>한 서비스내에 모든 게 다 들어가 있는 아키텍처</a:t>
+            </a:r>
           </a:p>
         </p:txBody>
       </p:sp>
@@ -7265,6 +7545,1683 @@
     <p:extLst>
       <p:ext uri="{BB962C8B-B14F-4D97-AF65-F5344CB8AC3E}">
         <p14:creationId xmlns:p14="http://schemas.microsoft.com/office/powerpoint/2010/main" val="1682510531"/>
+      </p:ext>
+    </p:extLst>
+  </p:cSld>
+  <p:clrMapOvr>
+    <a:masterClrMapping/>
+  </p:clrMapOvr>
+</p:sld>
+</file>
+
+<file path=ppt/slides/slide7.xml><?xml version="1.0" encoding="utf-8"?>
+<p:sld xmlns:a="http://schemas.openxmlformats.org/drawingml/2006/main" xmlns:r="http://schemas.openxmlformats.org/officeDocument/2006/relationships" xmlns:p="http://schemas.openxmlformats.org/presentationml/2006/main">
+  <p:cSld>
+    <p:spTree>
+      <p:nvGrpSpPr>
+        <p:cNvPr id="1" name=""/>
+        <p:cNvGrpSpPr/>
+        <p:nvPr/>
+      </p:nvGrpSpPr>
+      <p:grpSpPr>
+        <a:xfrm>
+          <a:off x="0" y="0"/>
+          <a:ext cx="0" cy="0"/>
+          <a:chOff x="0" y="0"/>
+          <a:chExt cx="0" cy="0"/>
+        </a:xfrm>
+      </p:grpSpPr>
+      <p:sp>
+        <p:nvSpPr>
+          <p:cNvPr id="2" name="제목 1">
+            <a:extLst>
+              <a:ext uri="{FF2B5EF4-FFF2-40B4-BE49-F238E27FC236}">
+                <a16:creationId xmlns:a16="http://schemas.microsoft.com/office/drawing/2014/main" id="{58AAD9F9-B1D8-47DC-9CBF-DB976257E804}"/>
+              </a:ext>
+            </a:extLst>
+          </p:cNvPr>
+          <p:cNvSpPr>
+            <a:spLocks noGrp="1"/>
+          </p:cNvSpPr>
+          <p:nvPr>
+            <p:ph type="ctrTitle"/>
+          </p:nvPr>
+        </p:nvSpPr>
+        <p:spPr>
+          <a:xfrm>
+            <a:off x="1444487" y="237781"/>
+            <a:ext cx="9144000" cy="815767"/>
+          </a:xfrm>
+        </p:spPr>
+        <p:txBody>
+          <a:bodyPr anchor="ctr">
+            <a:normAutofit/>
+          </a:bodyPr>
+          <a:lstStyle/>
+          <a:p>
+            <a:r>
+              <a:rPr lang="en-US" altLang="ko-KR" sz="3600" dirty="0"/>
+              <a:t>6. Micro Frontend Architectures</a:t>
+            </a:r>
+            <a:endParaRPr lang="ko-KR" altLang="en-US" sz="3600" dirty="0"/>
+          </a:p>
+        </p:txBody>
+      </p:sp>
+      <p:sp>
+        <p:nvSpPr>
+          <p:cNvPr id="7" name="TextBox 6">
+            <a:extLst>
+              <a:ext uri="{FF2B5EF4-FFF2-40B4-BE49-F238E27FC236}">
+                <a16:creationId xmlns:a16="http://schemas.microsoft.com/office/drawing/2014/main" id="{A78CE37C-158E-4FA3-A4AF-E0343DCD4F44}"/>
+              </a:ext>
+            </a:extLst>
+          </p:cNvPr>
+          <p:cNvSpPr txBox="1"/>
+          <p:nvPr/>
+        </p:nvSpPr>
+        <p:spPr>
+          <a:xfrm flipH="1">
+            <a:off x="695739" y="1176924"/>
+            <a:ext cx="8369411" cy="369332"/>
+          </a:xfrm>
+          <a:prstGeom prst="rect">
+            <a:avLst/>
+          </a:prstGeom>
+          <a:noFill/>
+        </p:spPr>
+        <p:txBody>
+          <a:bodyPr wrap="square" rtlCol="0">
+            <a:spAutoFit/>
+          </a:bodyPr>
+          <a:lstStyle/>
+          <a:p>
+            <a:r>
+              <a:rPr lang="en-US" altLang="ko-KR" dirty="0"/>
+              <a:t>MFA</a:t>
+            </a:r>
+            <a:r>
+              <a:rPr lang="ko-KR" altLang="en-US" dirty="0"/>
+              <a:t>를 쓰는 방법 </a:t>
+            </a:r>
+            <a:r>
+              <a:rPr lang="en-US" altLang="ko-KR" dirty="0"/>
+              <a:t>1. </a:t>
+            </a:r>
+            <a:r>
+              <a:rPr lang="en-US" altLang="ko-KR" dirty="0" err="1"/>
+              <a:t>ifram</a:t>
+            </a:r>
+            <a:r>
+              <a:rPr lang="en-US" altLang="ko-KR" dirty="0"/>
+              <a:t> 2.mono Repo</a:t>
+            </a:r>
+            <a:endParaRPr lang="ko-KR" altLang="en-US" dirty="0"/>
+          </a:p>
+        </p:txBody>
+      </p:sp>
+      <p:sp>
+        <p:nvSpPr>
+          <p:cNvPr id="4" name="직사각형 3">
+            <a:extLst>
+              <a:ext uri="{FF2B5EF4-FFF2-40B4-BE49-F238E27FC236}">
+                <a16:creationId xmlns:a16="http://schemas.microsoft.com/office/drawing/2014/main" id="{C127EB43-7E89-4CB5-981A-B0B08467EBBE}"/>
+              </a:ext>
+            </a:extLst>
+          </p:cNvPr>
+          <p:cNvSpPr/>
+          <p:nvPr/>
+        </p:nvSpPr>
+        <p:spPr>
+          <a:xfrm>
+            <a:off x="8998226" y="1948070"/>
+            <a:ext cx="1262270" cy="516835"/>
+          </a:xfrm>
+          <a:prstGeom prst="rect">
+            <a:avLst/>
+          </a:prstGeom>
+        </p:spPr>
+        <p:style>
+          <a:lnRef idx="2">
+            <a:schemeClr val="accent1">
+              <a:shade val="50000"/>
+            </a:schemeClr>
+          </a:lnRef>
+          <a:fillRef idx="1">
+            <a:schemeClr val="accent1"/>
+          </a:fillRef>
+          <a:effectRef idx="0">
+            <a:schemeClr val="accent1"/>
+          </a:effectRef>
+          <a:fontRef idx="minor">
+            <a:schemeClr val="lt1"/>
+          </a:fontRef>
+        </p:style>
+        <p:txBody>
+          <a:bodyPr rtlCol="0" anchor="ctr"/>
+          <a:lstStyle/>
+          <a:p>
+            <a:pPr algn="ctr"/>
+            <a:r>
+              <a:rPr lang="en-US" altLang="ko-KR" dirty="0"/>
+              <a:t>MSA</a:t>
+            </a:r>
+            <a:endParaRPr lang="ko-KR" altLang="en-US" dirty="0"/>
+          </a:p>
+        </p:txBody>
+      </p:sp>
+      <p:sp>
+        <p:nvSpPr>
+          <p:cNvPr id="9" name="직사각형 8">
+            <a:extLst>
+              <a:ext uri="{FF2B5EF4-FFF2-40B4-BE49-F238E27FC236}">
+                <a16:creationId xmlns:a16="http://schemas.microsoft.com/office/drawing/2014/main" id="{B2FD8ED2-E8D6-4637-B23A-C2D3F1D5E963}"/>
+              </a:ext>
+            </a:extLst>
+          </p:cNvPr>
+          <p:cNvSpPr/>
+          <p:nvPr/>
+        </p:nvSpPr>
+        <p:spPr>
+          <a:xfrm>
+            <a:off x="8998226" y="2727571"/>
+            <a:ext cx="1262270" cy="516835"/>
+          </a:xfrm>
+          <a:prstGeom prst="rect">
+            <a:avLst/>
+          </a:prstGeom>
+        </p:spPr>
+        <p:style>
+          <a:lnRef idx="2">
+            <a:schemeClr val="accent1">
+              <a:shade val="50000"/>
+            </a:schemeClr>
+          </a:lnRef>
+          <a:fillRef idx="1">
+            <a:schemeClr val="accent1"/>
+          </a:fillRef>
+          <a:effectRef idx="0">
+            <a:schemeClr val="accent1"/>
+          </a:effectRef>
+          <a:fontRef idx="minor">
+            <a:schemeClr val="lt1"/>
+          </a:fontRef>
+        </p:style>
+        <p:txBody>
+          <a:bodyPr rtlCol="0" anchor="ctr"/>
+          <a:lstStyle/>
+          <a:p>
+            <a:pPr algn="ctr"/>
+            <a:r>
+              <a:rPr lang="ko-KR" altLang="en-US"/>
+              <a:t>결제</a:t>
+            </a:r>
+            <a:endParaRPr lang="ko-KR" altLang="en-US" dirty="0"/>
+          </a:p>
+        </p:txBody>
+      </p:sp>
+      <p:sp>
+        <p:nvSpPr>
+          <p:cNvPr id="10" name="직사각형 9">
+            <a:extLst>
+              <a:ext uri="{FF2B5EF4-FFF2-40B4-BE49-F238E27FC236}">
+                <a16:creationId xmlns:a16="http://schemas.microsoft.com/office/drawing/2014/main" id="{8890EA95-9AE4-46D2-90F9-5CCED4406101}"/>
+              </a:ext>
+            </a:extLst>
+          </p:cNvPr>
+          <p:cNvSpPr/>
+          <p:nvPr/>
+        </p:nvSpPr>
+        <p:spPr>
+          <a:xfrm>
+            <a:off x="8998226" y="3507072"/>
+            <a:ext cx="1262270" cy="516835"/>
+          </a:xfrm>
+          <a:prstGeom prst="rect">
+            <a:avLst/>
+          </a:prstGeom>
+        </p:spPr>
+        <p:style>
+          <a:lnRef idx="2">
+            <a:schemeClr val="accent1">
+              <a:shade val="50000"/>
+            </a:schemeClr>
+          </a:lnRef>
+          <a:fillRef idx="1">
+            <a:schemeClr val="accent1"/>
+          </a:fillRef>
+          <a:effectRef idx="0">
+            <a:schemeClr val="accent1"/>
+          </a:effectRef>
+          <a:fontRef idx="minor">
+            <a:schemeClr val="lt1"/>
+          </a:fontRef>
+        </p:style>
+        <p:txBody>
+          <a:bodyPr rtlCol="0" anchor="ctr"/>
+          <a:lstStyle/>
+          <a:p>
+            <a:pPr algn="ctr"/>
+            <a:r>
+              <a:rPr lang="ko-KR" altLang="en-US" dirty="0"/>
+              <a:t>상품</a:t>
+            </a:r>
+          </a:p>
+        </p:txBody>
+      </p:sp>
+      <p:sp>
+        <p:nvSpPr>
+          <p:cNvPr id="11" name="직사각형 10">
+            <a:extLst>
+              <a:ext uri="{FF2B5EF4-FFF2-40B4-BE49-F238E27FC236}">
+                <a16:creationId xmlns:a16="http://schemas.microsoft.com/office/drawing/2014/main" id="{409818F2-CA4D-4BDC-8D30-579A9C6461CE}"/>
+              </a:ext>
+            </a:extLst>
+          </p:cNvPr>
+          <p:cNvSpPr/>
+          <p:nvPr/>
+        </p:nvSpPr>
+        <p:spPr>
+          <a:xfrm>
+            <a:off x="8998226" y="4286573"/>
+            <a:ext cx="1262270" cy="516835"/>
+          </a:xfrm>
+          <a:prstGeom prst="rect">
+            <a:avLst/>
+          </a:prstGeom>
+        </p:spPr>
+        <p:style>
+          <a:lnRef idx="2">
+            <a:schemeClr val="accent1">
+              <a:shade val="50000"/>
+            </a:schemeClr>
+          </a:lnRef>
+          <a:fillRef idx="1">
+            <a:schemeClr val="accent1"/>
+          </a:fillRef>
+          <a:effectRef idx="0">
+            <a:schemeClr val="accent1"/>
+          </a:effectRef>
+          <a:fontRef idx="minor">
+            <a:schemeClr val="lt1"/>
+          </a:fontRef>
+        </p:style>
+        <p:txBody>
+          <a:bodyPr rtlCol="0" anchor="ctr"/>
+          <a:lstStyle/>
+          <a:p>
+            <a:pPr algn="ctr"/>
+            <a:r>
+              <a:rPr lang="ko-KR" altLang="en-US" dirty="0"/>
+              <a:t>장바구니</a:t>
+            </a:r>
+          </a:p>
+        </p:txBody>
+      </p:sp>
+      <p:sp>
+        <p:nvSpPr>
+          <p:cNvPr id="12" name="직사각형 11">
+            <a:extLst>
+              <a:ext uri="{FF2B5EF4-FFF2-40B4-BE49-F238E27FC236}">
+                <a16:creationId xmlns:a16="http://schemas.microsoft.com/office/drawing/2014/main" id="{78F101E0-B4C0-4E5D-8EBA-9C246653472C}"/>
+              </a:ext>
+            </a:extLst>
+          </p:cNvPr>
+          <p:cNvSpPr/>
+          <p:nvPr/>
+        </p:nvSpPr>
+        <p:spPr>
+          <a:xfrm>
+            <a:off x="7162800" y="1948070"/>
+            <a:ext cx="1262270" cy="516835"/>
+          </a:xfrm>
+          <a:prstGeom prst="rect">
+            <a:avLst/>
+          </a:prstGeom>
+        </p:spPr>
+        <p:style>
+          <a:lnRef idx="2">
+            <a:schemeClr val="accent1">
+              <a:shade val="50000"/>
+            </a:schemeClr>
+          </a:lnRef>
+          <a:fillRef idx="1">
+            <a:schemeClr val="accent1"/>
+          </a:fillRef>
+          <a:effectRef idx="0">
+            <a:schemeClr val="accent1"/>
+          </a:effectRef>
+          <a:fontRef idx="minor">
+            <a:schemeClr val="lt1"/>
+          </a:fontRef>
+        </p:style>
+        <p:txBody>
+          <a:bodyPr rtlCol="0" anchor="ctr"/>
+          <a:lstStyle/>
+          <a:p>
+            <a:pPr algn="ctr"/>
+            <a:r>
+              <a:rPr lang="ko-KR" altLang="en-US"/>
+              <a:t>격리</a:t>
+            </a:r>
+            <a:endParaRPr lang="ko-KR" altLang="en-US" dirty="0"/>
+          </a:p>
+        </p:txBody>
+      </p:sp>
+      <p:cxnSp>
+        <p:nvCxnSpPr>
+          <p:cNvPr id="14" name="직선 화살표 연결선 13">
+            <a:extLst>
+              <a:ext uri="{FF2B5EF4-FFF2-40B4-BE49-F238E27FC236}">
+                <a16:creationId xmlns:a16="http://schemas.microsoft.com/office/drawing/2014/main" id="{C8F14ED4-93E9-4BC9-92EC-C5D2B8BF1D68}"/>
+              </a:ext>
+            </a:extLst>
+          </p:cNvPr>
+          <p:cNvCxnSpPr>
+            <a:stCxn id="12" idx="3"/>
+            <a:endCxn id="4" idx="1"/>
+          </p:cNvCxnSpPr>
+          <p:nvPr/>
+        </p:nvCxnSpPr>
+        <p:spPr>
+          <a:xfrm>
+            <a:off x="8425070" y="2206488"/>
+            <a:ext cx="573156" cy="0"/>
+          </a:xfrm>
+          <a:prstGeom prst="straightConnector1">
+            <a:avLst/>
+          </a:prstGeom>
+          <a:ln>
+            <a:headEnd type="triangle"/>
+            <a:tailEnd type="triangle"/>
+          </a:ln>
+        </p:spPr>
+        <p:style>
+          <a:lnRef idx="1">
+            <a:schemeClr val="accent1"/>
+          </a:lnRef>
+          <a:fillRef idx="0">
+            <a:schemeClr val="accent1"/>
+          </a:fillRef>
+          <a:effectRef idx="0">
+            <a:schemeClr val="accent1"/>
+          </a:effectRef>
+          <a:fontRef idx="minor">
+            <a:schemeClr val="tx1"/>
+          </a:fontRef>
+        </p:style>
+      </p:cxnSp>
+      <p:cxnSp>
+        <p:nvCxnSpPr>
+          <p:cNvPr id="15" name="직선 화살표 연결선 14">
+            <a:extLst>
+              <a:ext uri="{FF2B5EF4-FFF2-40B4-BE49-F238E27FC236}">
+                <a16:creationId xmlns:a16="http://schemas.microsoft.com/office/drawing/2014/main" id="{09EC427E-CF40-4656-A210-82E59DC16D84}"/>
+              </a:ext>
+            </a:extLst>
+          </p:cNvPr>
+          <p:cNvCxnSpPr/>
+          <p:nvPr/>
+        </p:nvCxnSpPr>
+        <p:spPr>
+          <a:xfrm>
+            <a:off x="8425070" y="2985988"/>
+            <a:ext cx="573156" cy="0"/>
+          </a:xfrm>
+          <a:prstGeom prst="straightConnector1">
+            <a:avLst/>
+          </a:prstGeom>
+          <a:ln>
+            <a:headEnd type="triangle"/>
+            <a:tailEnd type="triangle"/>
+          </a:ln>
+        </p:spPr>
+        <p:style>
+          <a:lnRef idx="1">
+            <a:schemeClr val="accent1"/>
+          </a:lnRef>
+          <a:fillRef idx="0">
+            <a:schemeClr val="accent1"/>
+          </a:fillRef>
+          <a:effectRef idx="0">
+            <a:schemeClr val="accent1"/>
+          </a:effectRef>
+          <a:fontRef idx="minor">
+            <a:schemeClr val="tx1"/>
+          </a:fontRef>
+        </p:style>
+      </p:cxnSp>
+      <p:cxnSp>
+        <p:nvCxnSpPr>
+          <p:cNvPr id="16" name="직선 화살표 연결선 15">
+            <a:extLst>
+              <a:ext uri="{FF2B5EF4-FFF2-40B4-BE49-F238E27FC236}">
+                <a16:creationId xmlns:a16="http://schemas.microsoft.com/office/drawing/2014/main" id="{7EC2ACE2-0367-4E06-9C04-A77057C40547}"/>
+              </a:ext>
+            </a:extLst>
+          </p:cNvPr>
+          <p:cNvCxnSpPr/>
+          <p:nvPr/>
+        </p:nvCxnSpPr>
+        <p:spPr>
+          <a:xfrm>
+            <a:off x="8425070" y="3768803"/>
+            <a:ext cx="573156" cy="0"/>
+          </a:xfrm>
+          <a:prstGeom prst="straightConnector1">
+            <a:avLst/>
+          </a:prstGeom>
+          <a:ln>
+            <a:headEnd type="triangle"/>
+            <a:tailEnd type="triangle"/>
+          </a:ln>
+        </p:spPr>
+        <p:style>
+          <a:lnRef idx="1">
+            <a:schemeClr val="accent1"/>
+          </a:lnRef>
+          <a:fillRef idx="0">
+            <a:schemeClr val="accent1"/>
+          </a:fillRef>
+          <a:effectRef idx="0">
+            <a:schemeClr val="accent1"/>
+          </a:effectRef>
+          <a:fontRef idx="minor">
+            <a:schemeClr val="tx1"/>
+          </a:fontRef>
+        </p:style>
+      </p:cxnSp>
+      <p:cxnSp>
+        <p:nvCxnSpPr>
+          <p:cNvPr id="17" name="직선 화살표 연결선 16">
+            <a:extLst>
+              <a:ext uri="{FF2B5EF4-FFF2-40B4-BE49-F238E27FC236}">
+                <a16:creationId xmlns:a16="http://schemas.microsoft.com/office/drawing/2014/main" id="{C20F79DD-C781-47B4-B01B-072D88A22493}"/>
+              </a:ext>
+            </a:extLst>
+          </p:cNvPr>
+          <p:cNvCxnSpPr/>
+          <p:nvPr/>
+        </p:nvCxnSpPr>
+        <p:spPr>
+          <a:xfrm>
+            <a:off x="8425070" y="4544990"/>
+            <a:ext cx="573156" cy="0"/>
+          </a:xfrm>
+          <a:prstGeom prst="straightConnector1">
+            <a:avLst/>
+          </a:prstGeom>
+          <a:ln>
+            <a:headEnd type="triangle"/>
+            <a:tailEnd type="triangle"/>
+          </a:ln>
+        </p:spPr>
+        <p:style>
+          <a:lnRef idx="1">
+            <a:schemeClr val="accent1"/>
+          </a:lnRef>
+          <a:fillRef idx="0">
+            <a:schemeClr val="accent1"/>
+          </a:fillRef>
+          <a:effectRef idx="0">
+            <a:schemeClr val="accent1"/>
+          </a:effectRef>
+          <a:fontRef idx="minor">
+            <a:schemeClr val="tx1"/>
+          </a:fontRef>
+        </p:style>
+      </p:cxnSp>
+      <p:sp>
+        <p:nvSpPr>
+          <p:cNvPr id="19" name="직사각형 18">
+            <a:extLst>
+              <a:ext uri="{FF2B5EF4-FFF2-40B4-BE49-F238E27FC236}">
+                <a16:creationId xmlns:a16="http://schemas.microsoft.com/office/drawing/2014/main" id="{B0A68B40-835D-4397-9053-B3BA14246646}"/>
+              </a:ext>
+            </a:extLst>
+          </p:cNvPr>
+          <p:cNvSpPr/>
+          <p:nvPr/>
+        </p:nvSpPr>
+        <p:spPr>
+          <a:xfrm>
+            <a:off x="7162800" y="2723322"/>
+            <a:ext cx="1262270" cy="516835"/>
+          </a:xfrm>
+          <a:prstGeom prst="rect">
+            <a:avLst/>
+          </a:prstGeom>
+        </p:spPr>
+        <p:style>
+          <a:lnRef idx="2">
+            <a:schemeClr val="accent1">
+              <a:shade val="50000"/>
+            </a:schemeClr>
+          </a:lnRef>
+          <a:fillRef idx="1">
+            <a:schemeClr val="accent1"/>
+          </a:fillRef>
+          <a:effectRef idx="0">
+            <a:schemeClr val="accent1"/>
+          </a:effectRef>
+          <a:fontRef idx="minor">
+            <a:schemeClr val="lt1"/>
+          </a:fontRef>
+        </p:style>
+        <p:txBody>
+          <a:bodyPr rtlCol="0" anchor="ctr"/>
+          <a:lstStyle/>
+          <a:p>
+            <a:pPr algn="ctr"/>
+            <a:r>
+              <a:rPr lang="ko-KR" altLang="en-US" dirty="0"/>
+              <a:t>결제</a:t>
+            </a:r>
+            <a:r>
+              <a:rPr lang="en-US" altLang="ko-KR" dirty="0"/>
+              <a:t>FE</a:t>
+            </a:r>
+            <a:endParaRPr lang="ko-KR" altLang="en-US" dirty="0"/>
+          </a:p>
+        </p:txBody>
+      </p:sp>
+      <p:sp>
+        <p:nvSpPr>
+          <p:cNvPr id="20" name="직사각형 19">
+            <a:extLst>
+              <a:ext uri="{FF2B5EF4-FFF2-40B4-BE49-F238E27FC236}">
+                <a16:creationId xmlns:a16="http://schemas.microsoft.com/office/drawing/2014/main" id="{F51F3220-43CA-4414-9425-1BB7095BDCBC}"/>
+              </a:ext>
+            </a:extLst>
+          </p:cNvPr>
+          <p:cNvSpPr/>
+          <p:nvPr/>
+        </p:nvSpPr>
+        <p:spPr>
+          <a:xfrm>
+            <a:off x="7162800" y="3487194"/>
+            <a:ext cx="1262270" cy="516835"/>
+          </a:xfrm>
+          <a:prstGeom prst="rect">
+            <a:avLst/>
+          </a:prstGeom>
+        </p:spPr>
+        <p:style>
+          <a:lnRef idx="2">
+            <a:schemeClr val="accent1">
+              <a:shade val="50000"/>
+            </a:schemeClr>
+          </a:lnRef>
+          <a:fillRef idx="1">
+            <a:schemeClr val="accent1"/>
+          </a:fillRef>
+          <a:effectRef idx="0">
+            <a:schemeClr val="accent1"/>
+          </a:effectRef>
+          <a:fontRef idx="minor">
+            <a:schemeClr val="lt1"/>
+          </a:fontRef>
+        </p:style>
+        <p:txBody>
+          <a:bodyPr rtlCol="0" anchor="ctr"/>
+          <a:lstStyle/>
+          <a:p>
+            <a:pPr algn="ctr"/>
+            <a:r>
+              <a:rPr lang="ko-KR" altLang="en-US" dirty="0"/>
+              <a:t>상품</a:t>
+            </a:r>
+            <a:r>
+              <a:rPr lang="en-US" altLang="ko-KR" dirty="0"/>
+              <a:t>FE</a:t>
+            </a:r>
+            <a:endParaRPr lang="ko-KR" altLang="en-US" dirty="0"/>
+          </a:p>
+        </p:txBody>
+      </p:sp>
+      <p:sp>
+        <p:nvSpPr>
+          <p:cNvPr id="21" name="직사각형 20">
+            <a:extLst>
+              <a:ext uri="{FF2B5EF4-FFF2-40B4-BE49-F238E27FC236}">
+                <a16:creationId xmlns:a16="http://schemas.microsoft.com/office/drawing/2014/main" id="{CAB03C22-39FF-418C-AF6E-BE502D855DB7}"/>
+              </a:ext>
+            </a:extLst>
+          </p:cNvPr>
+          <p:cNvSpPr/>
+          <p:nvPr/>
+        </p:nvSpPr>
+        <p:spPr>
+          <a:xfrm>
+            <a:off x="6911009" y="4300042"/>
+            <a:ext cx="1514061" cy="516835"/>
+          </a:xfrm>
+          <a:prstGeom prst="rect">
+            <a:avLst/>
+          </a:prstGeom>
+        </p:spPr>
+        <p:style>
+          <a:lnRef idx="2">
+            <a:schemeClr val="accent1">
+              <a:shade val="50000"/>
+            </a:schemeClr>
+          </a:lnRef>
+          <a:fillRef idx="1">
+            <a:schemeClr val="accent1"/>
+          </a:fillRef>
+          <a:effectRef idx="0">
+            <a:schemeClr val="accent1"/>
+          </a:effectRef>
+          <a:fontRef idx="minor">
+            <a:schemeClr val="lt1"/>
+          </a:fontRef>
+        </p:style>
+        <p:txBody>
+          <a:bodyPr rtlCol="0" anchor="ctr"/>
+          <a:lstStyle/>
+          <a:p>
+            <a:pPr algn="ctr"/>
+            <a:r>
+              <a:rPr lang="ko-KR" altLang="en-US" dirty="0"/>
+              <a:t>장바구니</a:t>
+            </a:r>
+            <a:r>
+              <a:rPr lang="en-US" altLang="ko-KR" dirty="0"/>
+              <a:t>FE</a:t>
+            </a:r>
+            <a:endParaRPr lang="ko-KR" altLang="en-US" dirty="0"/>
+          </a:p>
+        </p:txBody>
+      </p:sp>
+      <p:sp>
+        <p:nvSpPr>
+          <p:cNvPr id="24" name="왼쪽 중괄호 23">
+            <a:extLst>
+              <a:ext uri="{FF2B5EF4-FFF2-40B4-BE49-F238E27FC236}">
+                <a16:creationId xmlns:a16="http://schemas.microsoft.com/office/drawing/2014/main" id="{977CB319-6B10-430E-8DAC-01195791968D}"/>
+              </a:ext>
+            </a:extLst>
+          </p:cNvPr>
+          <p:cNvSpPr/>
+          <p:nvPr/>
+        </p:nvSpPr>
+        <p:spPr>
+          <a:xfrm>
+            <a:off x="6096000" y="2087218"/>
+            <a:ext cx="493644" cy="2729659"/>
+          </a:xfrm>
+          <a:prstGeom prst="leftBrace">
+            <a:avLst/>
+          </a:prstGeom>
+        </p:spPr>
+        <p:style>
+          <a:lnRef idx="1">
+            <a:schemeClr val="accent1"/>
+          </a:lnRef>
+          <a:fillRef idx="0">
+            <a:schemeClr val="accent1"/>
+          </a:fillRef>
+          <a:effectRef idx="0">
+            <a:schemeClr val="accent1"/>
+          </a:effectRef>
+          <a:fontRef idx="minor">
+            <a:schemeClr val="tx1"/>
+          </a:fontRef>
+        </p:style>
+        <p:txBody>
+          <a:bodyPr rtlCol="0" anchor="ctr"/>
+          <a:lstStyle/>
+          <a:p>
+            <a:pPr algn="ctr"/>
+            <a:endParaRPr lang="ko-KR" altLang="en-US"/>
+          </a:p>
+        </p:txBody>
+      </p:sp>
+      <p:sp>
+        <p:nvSpPr>
+          <p:cNvPr id="25" name="직사각형 24">
+            <a:extLst>
+              <a:ext uri="{FF2B5EF4-FFF2-40B4-BE49-F238E27FC236}">
+                <a16:creationId xmlns:a16="http://schemas.microsoft.com/office/drawing/2014/main" id="{E2A2ECAA-1513-4583-B35F-A2524FBDB658}"/>
+              </a:ext>
+            </a:extLst>
+          </p:cNvPr>
+          <p:cNvSpPr/>
+          <p:nvPr/>
+        </p:nvSpPr>
+        <p:spPr>
+          <a:xfrm>
+            <a:off x="4253949" y="3193629"/>
+            <a:ext cx="1514061" cy="516835"/>
+          </a:xfrm>
+          <a:prstGeom prst="rect">
+            <a:avLst/>
+          </a:prstGeom>
+        </p:spPr>
+        <p:style>
+          <a:lnRef idx="2">
+            <a:schemeClr val="accent1">
+              <a:shade val="50000"/>
+            </a:schemeClr>
+          </a:lnRef>
+          <a:fillRef idx="1">
+            <a:schemeClr val="accent1"/>
+          </a:fillRef>
+          <a:effectRef idx="0">
+            <a:schemeClr val="accent1"/>
+          </a:effectRef>
+          <a:fontRef idx="minor">
+            <a:schemeClr val="lt1"/>
+          </a:fontRef>
+        </p:style>
+        <p:txBody>
+          <a:bodyPr rtlCol="0" anchor="ctr"/>
+          <a:lstStyle/>
+          <a:p>
+            <a:pPr algn="ctr"/>
+            <a:r>
+              <a:rPr lang="ko-KR" altLang="en-US" dirty="0"/>
+              <a:t>결제 페이지</a:t>
+            </a:r>
+          </a:p>
+        </p:txBody>
+      </p:sp>
+      <p:sp>
+        <p:nvSpPr>
+          <p:cNvPr id="26" name="TextBox 25">
+            <a:extLst>
+              <a:ext uri="{FF2B5EF4-FFF2-40B4-BE49-F238E27FC236}">
+                <a16:creationId xmlns:a16="http://schemas.microsoft.com/office/drawing/2014/main" id="{AD032F99-1F13-4CC7-B139-337DAECC90BE}"/>
+              </a:ext>
+            </a:extLst>
+          </p:cNvPr>
+          <p:cNvSpPr txBox="1"/>
+          <p:nvPr/>
+        </p:nvSpPr>
+        <p:spPr>
+          <a:xfrm>
+            <a:off x="367747" y="2448628"/>
+            <a:ext cx="3756992" cy="646331"/>
+          </a:xfrm>
+          <a:prstGeom prst="rect">
+            <a:avLst/>
+          </a:prstGeom>
+          <a:noFill/>
+        </p:spPr>
+        <p:txBody>
+          <a:bodyPr wrap="square" rtlCol="0">
+            <a:spAutoFit/>
+          </a:bodyPr>
+          <a:lstStyle/>
+          <a:p>
+            <a:r>
+              <a:rPr lang="en-US" altLang="ko-KR" dirty="0" err="1"/>
+              <a:t>Ifram</a:t>
+            </a:r>
+            <a:r>
+              <a:rPr lang="en-US" altLang="ko-KR" dirty="0"/>
+              <a:t> </a:t>
+            </a:r>
+            <a:r>
+              <a:rPr lang="ko-KR" altLang="en-US" dirty="0"/>
+              <a:t>사용해서 결제 가져오고</a:t>
+            </a:r>
+            <a:endParaRPr lang="en-US" altLang="ko-KR" dirty="0"/>
+          </a:p>
+          <a:p>
+            <a:r>
+              <a:rPr lang="ko-KR" altLang="en-US" dirty="0"/>
+              <a:t>상품 가져오고 장바구니 가져오고</a:t>
+            </a:r>
+          </a:p>
+        </p:txBody>
+      </p:sp>
+      <p:sp>
+        <p:nvSpPr>
+          <p:cNvPr id="27" name="TextBox 26">
+            <a:extLst>
+              <a:ext uri="{FF2B5EF4-FFF2-40B4-BE49-F238E27FC236}">
+                <a16:creationId xmlns:a16="http://schemas.microsoft.com/office/drawing/2014/main" id="{74D3D93F-050E-4586-B690-8BFA87651D1B}"/>
+              </a:ext>
+            </a:extLst>
+          </p:cNvPr>
+          <p:cNvSpPr txBox="1"/>
+          <p:nvPr/>
+        </p:nvSpPr>
+        <p:spPr>
+          <a:xfrm>
+            <a:off x="376029" y="3894590"/>
+            <a:ext cx="3756992" cy="646331"/>
+          </a:xfrm>
+          <a:prstGeom prst="rect">
+            <a:avLst/>
+          </a:prstGeom>
+          <a:noFill/>
+        </p:spPr>
+        <p:txBody>
+          <a:bodyPr wrap="square" rtlCol="0">
+            <a:spAutoFit/>
+          </a:bodyPr>
+          <a:lstStyle/>
+          <a:p>
+            <a:r>
+              <a:rPr lang="en-US" altLang="ko-KR" dirty="0"/>
+              <a:t>mono Repo </a:t>
+            </a:r>
+            <a:r>
+              <a:rPr lang="ko-KR" altLang="en-US" dirty="0"/>
+              <a:t>안에 여러 패키지로 관심사를 분리하고 </a:t>
+            </a:r>
+            <a:r>
+              <a:rPr lang="en-US" altLang="ko-KR" dirty="0"/>
+              <a:t>import</a:t>
+            </a:r>
+            <a:endParaRPr lang="ko-KR" altLang="en-US" dirty="0"/>
+          </a:p>
+        </p:txBody>
+      </p:sp>
+    </p:spTree>
+    <p:extLst>
+      <p:ext uri="{BB962C8B-B14F-4D97-AF65-F5344CB8AC3E}">
+        <p14:creationId xmlns:p14="http://schemas.microsoft.com/office/powerpoint/2010/main" val="1211141073"/>
+      </p:ext>
+    </p:extLst>
+  </p:cSld>
+  <p:clrMapOvr>
+    <a:masterClrMapping/>
+  </p:clrMapOvr>
+</p:sld>
+</file>
+
+<file path=ppt/slides/slide8.xml><?xml version="1.0" encoding="utf-8"?>
+<p:sld xmlns:a="http://schemas.openxmlformats.org/drawingml/2006/main" xmlns:r="http://schemas.openxmlformats.org/officeDocument/2006/relationships" xmlns:p="http://schemas.openxmlformats.org/presentationml/2006/main">
+  <p:cSld>
+    <p:spTree>
+      <p:nvGrpSpPr>
+        <p:cNvPr id="1" name=""/>
+        <p:cNvGrpSpPr/>
+        <p:nvPr/>
+      </p:nvGrpSpPr>
+      <p:grpSpPr>
+        <a:xfrm>
+          <a:off x="0" y="0"/>
+          <a:ext cx="0" cy="0"/>
+          <a:chOff x="0" y="0"/>
+          <a:chExt cx="0" cy="0"/>
+        </a:xfrm>
+      </p:grpSpPr>
+      <p:sp>
+        <p:nvSpPr>
+          <p:cNvPr id="2" name="제목 1">
+            <a:extLst>
+              <a:ext uri="{FF2B5EF4-FFF2-40B4-BE49-F238E27FC236}">
+                <a16:creationId xmlns:a16="http://schemas.microsoft.com/office/drawing/2014/main" id="{58AAD9F9-B1D8-47DC-9CBF-DB976257E804}"/>
+              </a:ext>
+            </a:extLst>
+          </p:cNvPr>
+          <p:cNvSpPr>
+            <a:spLocks noGrp="1"/>
+          </p:cNvSpPr>
+          <p:nvPr>
+            <p:ph type="ctrTitle"/>
+          </p:nvPr>
+        </p:nvSpPr>
+        <p:spPr>
+          <a:xfrm>
+            <a:off x="1444487" y="237781"/>
+            <a:ext cx="9144000" cy="815767"/>
+          </a:xfrm>
+        </p:spPr>
+        <p:txBody>
+          <a:bodyPr anchor="ctr">
+            <a:normAutofit/>
+          </a:bodyPr>
+          <a:lstStyle/>
+          <a:p>
+            <a:r>
+              <a:rPr lang="en-US" altLang="ko-KR" sz="3600" dirty="0"/>
+              <a:t>7. Backends For Frontend</a:t>
+            </a:r>
+            <a:endParaRPr lang="ko-KR" altLang="en-US" sz="3600" dirty="0"/>
+          </a:p>
+        </p:txBody>
+      </p:sp>
+      <p:sp>
+        <p:nvSpPr>
+          <p:cNvPr id="7" name="TextBox 6">
+            <a:extLst>
+              <a:ext uri="{FF2B5EF4-FFF2-40B4-BE49-F238E27FC236}">
+                <a16:creationId xmlns:a16="http://schemas.microsoft.com/office/drawing/2014/main" id="{A78CE37C-158E-4FA3-A4AF-E0343DCD4F44}"/>
+              </a:ext>
+            </a:extLst>
+          </p:cNvPr>
+          <p:cNvSpPr txBox="1"/>
+          <p:nvPr/>
+        </p:nvSpPr>
+        <p:spPr>
+          <a:xfrm flipH="1">
+            <a:off x="974036" y="1162879"/>
+            <a:ext cx="8369411" cy="369332"/>
+          </a:xfrm>
+          <a:prstGeom prst="rect">
+            <a:avLst/>
+          </a:prstGeom>
+          <a:noFill/>
+        </p:spPr>
+        <p:txBody>
+          <a:bodyPr wrap="square" rtlCol="0">
+            <a:spAutoFit/>
+          </a:bodyPr>
+          <a:lstStyle/>
+          <a:p>
+            <a:r>
+              <a:rPr lang="en-US" altLang="ko-KR" dirty="0"/>
+              <a:t>Web</a:t>
+            </a:r>
+            <a:r>
+              <a:rPr lang="ko-KR" altLang="en-US" dirty="0"/>
+              <a:t>에서 사용하는 </a:t>
+            </a:r>
+            <a:r>
+              <a:rPr lang="en-US" altLang="ko-KR" dirty="0"/>
+              <a:t>API </a:t>
+            </a:r>
+            <a:r>
+              <a:rPr lang="ko-KR" altLang="en-US" dirty="0"/>
+              <a:t>포맷과 </a:t>
+            </a:r>
+            <a:r>
+              <a:rPr lang="en-US" altLang="ko-KR" dirty="0"/>
+              <a:t>APP</a:t>
+            </a:r>
+            <a:r>
+              <a:rPr lang="ko-KR" altLang="en-US" dirty="0"/>
+              <a:t>에서</a:t>
+            </a:r>
+            <a:r>
+              <a:rPr lang="en-US" altLang="ko-KR" dirty="0"/>
+              <a:t> </a:t>
+            </a:r>
+            <a:r>
+              <a:rPr lang="ko-KR" altLang="en-US" dirty="0"/>
+              <a:t>사용하는 </a:t>
+            </a:r>
+            <a:r>
+              <a:rPr lang="en-US" altLang="ko-KR" dirty="0"/>
+              <a:t>API </a:t>
+            </a:r>
+            <a:r>
+              <a:rPr lang="ko-KR" altLang="en-US" dirty="0"/>
+              <a:t>포맷이 조금씩 상이</a:t>
+            </a:r>
+            <a:r>
+              <a:rPr lang="en-US" altLang="ko-KR" dirty="0"/>
+              <a:t>…</a:t>
+            </a:r>
+            <a:endParaRPr lang="ko-KR" altLang="en-US" dirty="0"/>
+          </a:p>
+        </p:txBody>
+      </p:sp>
+      <p:sp>
+        <p:nvSpPr>
+          <p:cNvPr id="4" name="직사각형 3">
+            <a:extLst>
+              <a:ext uri="{FF2B5EF4-FFF2-40B4-BE49-F238E27FC236}">
+                <a16:creationId xmlns:a16="http://schemas.microsoft.com/office/drawing/2014/main" id="{A52BB253-1954-4850-9559-9AA3B231EA2C}"/>
+              </a:ext>
+            </a:extLst>
+          </p:cNvPr>
+          <p:cNvSpPr/>
+          <p:nvPr/>
+        </p:nvSpPr>
+        <p:spPr>
+          <a:xfrm>
+            <a:off x="1272209" y="2579206"/>
+            <a:ext cx="1461052" cy="536713"/>
+          </a:xfrm>
+          <a:prstGeom prst="rect">
+            <a:avLst/>
+          </a:prstGeom>
+        </p:spPr>
+        <p:style>
+          <a:lnRef idx="2">
+            <a:schemeClr val="accent1">
+              <a:shade val="50000"/>
+            </a:schemeClr>
+          </a:lnRef>
+          <a:fillRef idx="1">
+            <a:schemeClr val="accent1"/>
+          </a:fillRef>
+          <a:effectRef idx="0">
+            <a:schemeClr val="accent1"/>
+          </a:effectRef>
+          <a:fontRef idx="minor">
+            <a:schemeClr val="lt1"/>
+          </a:fontRef>
+        </p:style>
+        <p:txBody>
+          <a:bodyPr rtlCol="0" anchor="ctr"/>
+          <a:lstStyle/>
+          <a:p>
+            <a:pPr algn="ctr"/>
+            <a:r>
+              <a:rPr lang="en-US" altLang="ko-KR" dirty="0"/>
+              <a:t>MSA</a:t>
+            </a:r>
+            <a:endParaRPr lang="ko-KR" altLang="en-US" dirty="0"/>
+          </a:p>
+        </p:txBody>
+      </p:sp>
+      <p:sp>
+        <p:nvSpPr>
+          <p:cNvPr id="9" name="직사각형 8">
+            <a:extLst>
+              <a:ext uri="{FF2B5EF4-FFF2-40B4-BE49-F238E27FC236}">
+                <a16:creationId xmlns:a16="http://schemas.microsoft.com/office/drawing/2014/main" id="{57FC9333-5E00-454B-A01D-94E525824F47}"/>
+              </a:ext>
+            </a:extLst>
+          </p:cNvPr>
+          <p:cNvSpPr/>
+          <p:nvPr/>
+        </p:nvSpPr>
+        <p:spPr>
+          <a:xfrm>
+            <a:off x="1272209" y="4447764"/>
+            <a:ext cx="1461052" cy="536713"/>
+          </a:xfrm>
+          <a:prstGeom prst="rect">
+            <a:avLst/>
+          </a:prstGeom>
+        </p:spPr>
+        <p:style>
+          <a:lnRef idx="2">
+            <a:schemeClr val="accent1">
+              <a:shade val="50000"/>
+            </a:schemeClr>
+          </a:lnRef>
+          <a:fillRef idx="1">
+            <a:schemeClr val="accent1"/>
+          </a:fillRef>
+          <a:effectRef idx="0">
+            <a:schemeClr val="accent1"/>
+          </a:effectRef>
+          <a:fontRef idx="minor">
+            <a:schemeClr val="lt1"/>
+          </a:fontRef>
+        </p:style>
+        <p:txBody>
+          <a:bodyPr rtlCol="0" anchor="ctr"/>
+          <a:lstStyle/>
+          <a:p>
+            <a:pPr algn="ctr"/>
+            <a:r>
+              <a:rPr lang="en-US" altLang="ko-KR" dirty="0"/>
+              <a:t>WEB</a:t>
+            </a:r>
+            <a:endParaRPr lang="ko-KR" altLang="en-US" dirty="0"/>
+          </a:p>
+        </p:txBody>
+      </p:sp>
+      <p:sp>
+        <p:nvSpPr>
+          <p:cNvPr id="10" name="TextBox 9">
+            <a:extLst>
+              <a:ext uri="{FF2B5EF4-FFF2-40B4-BE49-F238E27FC236}">
+                <a16:creationId xmlns:a16="http://schemas.microsoft.com/office/drawing/2014/main" id="{2AC31DA4-9DA9-428B-BA4C-AB97404A003A}"/>
+              </a:ext>
+            </a:extLst>
+          </p:cNvPr>
+          <p:cNvSpPr txBox="1"/>
+          <p:nvPr/>
+        </p:nvSpPr>
+        <p:spPr>
+          <a:xfrm>
+            <a:off x="3021496" y="4531454"/>
+            <a:ext cx="1311966" cy="369332"/>
+          </a:xfrm>
+          <a:prstGeom prst="rect">
+            <a:avLst/>
+          </a:prstGeom>
+          <a:noFill/>
+        </p:spPr>
+        <p:txBody>
+          <a:bodyPr wrap="square" rtlCol="0">
+            <a:spAutoFit/>
+          </a:bodyPr>
+          <a:lstStyle/>
+          <a:p>
+            <a:r>
+              <a:rPr lang="en-US" altLang="ko-KR" dirty="0"/>
+              <a:t>1,000,000</a:t>
+            </a:r>
+            <a:endParaRPr lang="ko-KR" altLang="en-US" dirty="0"/>
+          </a:p>
+        </p:txBody>
+      </p:sp>
+      <p:sp>
+        <p:nvSpPr>
+          <p:cNvPr id="11" name="TextBox 10">
+            <a:extLst>
+              <a:ext uri="{FF2B5EF4-FFF2-40B4-BE49-F238E27FC236}">
+                <a16:creationId xmlns:a16="http://schemas.microsoft.com/office/drawing/2014/main" id="{12C70869-FC87-4460-91C2-6CA3C7EBFBCA}"/>
+              </a:ext>
+            </a:extLst>
+          </p:cNvPr>
+          <p:cNvSpPr txBox="1"/>
+          <p:nvPr/>
+        </p:nvSpPr>
+        <p:spPr>
+          <a:xfrm>
+            <a:off x="3144079" y="2815296"/>
+            <a:ext cx="1311966" cy="369332"/>
+          </a:xfrm>
+          <a:prstGeom prst="rect">
+            <a:avLst/>
+          </a:prstGeom>
+          <a:noFill/>
+        </p:spPr>
+        <p:txBody>
+          <a:bodyPr wrap="square" rtlCol="0">
+            <a:spAutoFit/>
+          </a:bodyPr>
+          <a:lstStyle/>
+          <a:p>
+            <a:r>
+              <a:rPr lang="en-US" altLang="ko-KR" dirty="0"/>
+              <a:t>1000000</a:t>
+            </a:r>
+            <a:endParaRPr lang="ko-KR" altLang="en-US" dirty="0"/>
+          </a:p>
+        </p:txBody>
+      </p:sp>
+      <p:sp>
+        <p:nvSpPr>
+          <p:cNvPr id="13" name="생각 풍선: 구름 모양 12">
+            <a:extLst>
+              <a:ext uri="{FF2B5EF4-FFF2-40B4-BE49-F238E27FC236}">
+                <a16:creationId xmlns:a16="http://schemas.microsoft.com/office/drawing/2014/main" id="{BC1B1F43-FF7D-4E9F-92B4-EEE495E926C8}"/>
+              </a:ext>
+            </a:extLst>
+          </p:cNvPr>
+          <p:cNvSpPr/>
+          <p:nvPr/>
+        </p:nvSpPr>
+        <p:spPr>
+          <a:xfrm>
+            <a:off x="7455012" y="1543730"/>
+            <a:ext cx="3776869" cy="1777520"/>
+          </a:xfrm>
+          <a:prstGeom prst="cloudCallout">
+            <a:avLst>
+              <a:gd name="adj1" fmla="val -91886"/>
+              <a:gd name="adj2" fmla="val 30069"/>
+            </a:avLst>
+          </a:prstGeom>
+        </p:spPr>
+        <p:style>
+          <a:lnRef idx="2">
+            <a:schemeClr val="accent6"/>
+          </a:lnRef>
+          <a:fillRef idx="1">
+            <a:schemeClr val="lt1"/>
+          </a:fillRef>
+          <a:effectRef idx="0">
+            <a:schemeClr val="accent6"/>
+          </a:effectRef>
+          <a:fontRef idx="minor">
+            <a:schemeClr val="dk1"/>
+          </a:fontRef>
+        </p:style>
+        <p:txBody>
+          <a:bodyPr rtlCol="0" anchor="ctr"/>
+          <a:lstStyle/>
+          <a:p>
+            <a:pPr algn="ctr"/>
+            <a:r>
+              <a:rPr lang="en-US" altLang="ko-KR" dirty="0"/>
+              <a:t>Plain number</a:t>
+            </a:r>
+            <a:r>
+              <a:rPr lang="ko-KR" altLang="en-US" dirty="0"/>
+              <a:t>를 어디서 </a:t>
+            </a:r>
+            <a:r>
+              <a:rPr lang="ko-KR" altLang="en-US" dirty="0" err="1"/>
+              <a:t>포맷팅할건가</a:t>
+            </a:r>
+            <a:r>
+              <a:rPr lang="en-US" altLang="ko-KR" dirty="0"/>
+              <a:t>?</a:t>
+            </a:r>
+            <a:endParaRPr lang="ko-KR" altLang="en-US" dirty="0"/>
+          </a:p>
+        </p:txBody>
+      </p:sp>
+      <p:sp>
+        <p:nvSpPr>
+          <p:cNvPr id="14" name="타원 13">
+            <a:extLst>
+              <a:ext uri="{FF2B5EF4-FFF2-40B4-BE49-F238E27FC236}">
+                <a16:creationId xmlns:a16="http://schemas.microsoft.com/office/drawing/2014/main" id="{2C77AB71-C3D4-427B-BB29-544DB2E84443}"/>
+              </a:ext>
+            </a:extLst>
+          </p:cNvPr>
+          <p:cNvSpPr/>
+          <p:nvPr/>
+        </p:nvSpPr>
+        <p:spPr>
+          <a:xfrm>
+            <a:off x="1272209" y="3467173"/>
+            <a:ext cx="1461052" cy="685800"/>
+          </a:xfrm>
+          <a:prstGeom prst="ellipse">
+            <a:avLst/>
+          </a:prstGeom>
+        </p:spPr>
+        <p:style>
+          <a:lnRef idx="2">
+            <a:schemeClr val="accent5">
+              <a:shade val="50000"/>
+            </a:schemeClr>
+          </a:lnRef>
+          <a:fillRef idx="1">
+            <a:schemeClr val="accent5"/>
+          </a:fillRef>
+          <a:effectRef idx="0">
+            <a:schemeClr val="accent5"/>
+          </a:effectRef>
+          <a:fontRef idx="minor">
+            <a:schemeClr val="lt1"/>
+          </a:fontRef>
+        </p:style>
+        <p:txBody>
+          <a:bodyPr rtlCol="0" anchor="ctr"/>
+          <a:lstStyle/>
+          <a:p>
+            <a:pPr algn="ctr"/>
+            <a:r>
+              <a:rPr lang="en-US" altLang="ko-KR" dirty="0"/>
+              <a:t>BFF</a:t>
+            </a:r>
+            <a:endParaRPr lang="ko-KR" altLang="en-US" dirty="0"/>
+          </a:p>
+        </p:txBody>
+      </p:sp>
+      <p:sp>
+        <p:nvSpPr>
+          <p:cNvPr id="15" name="직사각형 14">
+            <a:extLst>
+              <a:ext uri="{FF2B5EF4-FFF2-40B4-BE49-F238E27FC236}">
+                <a16:creationId xmlns:a16="http://schemas.microsoft.com/office/drawing/2014/main" id="{AE767C64-C58D-46EB-BB9A-E0085D629FBE}"/>
+              </a:ext>
+            </a:extLst>
+          </p:cNvPr>
+          <p:cNvSpPr/>
+          <p:nvPr/>
+        </p:nvSpPr>
+        <p:spPr>
+          <a:xfrm>
+            <a:off x="2890631" y="3536750"/>
+            <a:ext cx="5098774" cy="603906"/>
+          </a:xfrm>
+          <a:prstGeom prst="rect">
+            <a:avLst/>
+          </a:prstGeom>
+        </p:spPr>
+        <p:style>
+          <a:lnRef idx="2">
+            <a:schemeClr val="accent5">
+              <a:shade val="50000"/>
+            </a:schemeClr>
+          </a:lnRef>
+          <a:fillRef idx="1">
+            <a:schemeClr val="accent5"/>
+          </a:fillRef>
+          <a:effectRef idx="0">
+            <a:schemeClr val="accent5"/>
+          </a:effectRef>
+          <a:fontRef idx="minor">
+            <a:schemeClr val="lt1"/>
+          </a:fontRef>
+        </p:style>
+        <p:txBody>
+          <a:bodyPr rtlCol="0" anchor="ctr"/>
+          <a:lstStyle/>
+          <a:p>
+            <a:pPr algn="ctr"/>
+            <a:endParaRPr lang="en-US" altLang="ko-KR" dirty="0"/>
+          </a:p>
+          <a:p>
+            <a:pPr algn="ctr"/>
+            <a:r>
+              <a:rPr lang="ko-KR" altLang="en-US" dirty="0"/>
+              <a:t>데이터를 </a:t>
+            </a:r>
+            <a:r>
+              <a:rPr lang="ko-KR" altLang="en-US" dirty="0" err="1"/>
+              <a:t>포맷팅</a:t>
+            </a:r>
+            <a:r>
+              <a:rPr lang="en-US" altLang="ko-KR" dirty="0"/>
+              <a:t>, </a:t>
+            </a:r>
+            <a:r>
+              <a:rPr lang="ko-KR" altLang="en-US" dirty="0"/>
+              <a:t>정제할 수 있다</a:t>
+            </a:r>
+            <a:r>
+              <a:rPr lang="en-US" altLang="ko-KR" dirty="0"/>
+              <a:t>.</a:t>
+            </a:r>
+          </a:p>
+          <a:p>
+            <a:pPr algn="ctr"/>
+            <a:r>
+              <a:rPr lang="en-US" altLang="ko-KR" dirty="0"/>
+              <a:t>web</a:t>
+            </a:r>
+            <a:r>
+              <a:rPr lang="ko-KR" altLang="en-US" dirty="0"/>
+              <a:t>에 필요한 형식으로 데이터를 바꾼다</a:t>
+            </a:r>
+            <a:r>
+              <a:rPr lang="en-US" altLang="ko-KR" dirty="0"/>
+              <a:t>.</a:t>
+            </a:r>
+          </a:p>
+          <a:p>
+            <a:pPr algn="ctr"/>
+            <a:endParaRPr lang="ko-KR" altLang="en-US" dirty="0"/>
+          </a:p>
+        </p:txBody>
+      </p:sp>
+    </p:spTree>
+    <p:extLst>
+      <p:ext uri="{BB962C8B-B14F-4D97-AF65-F5344CB8AC3E}">
+        <p14:creationId xmlns:p14="http://schemas.microsoft.com/office/powerpoint/2010/main" val="3696829994"/>
+      </p:ext>
+    </p:extLst>
+  </p:cSld>
+  <p:clrMapOvr>
+    <a:masterClrMapping/>
+  </p:clrMapOvr>
+</p:sld>
+</file>
+
+<file path=ppt/slides/slide9.xml><?xml version="1.0" encoding="utf-8"?>
+<p:sld xmlns:a="http://schemas.openxmlformats.org/drawingml/2006/main" xmlns:r="http://schemas.openxmlformats.org/officeDocument/2006/relationships" xmlns:p="http://schemas.openxmlformats.org/presentationml/2006/main">
+  <p:cSld>
+    <p:spTree>
+      <p:nvGrpSpPr>
+        <p:cNvPr id="1" name=""/>
+        <p:cNvGrpSpPr/>
+        <p:nvPr/>
+      </p:nvGrpSpPr>
+      <p:grpSpPr>
+        <a:xfrm>
+          <a:off x="0" y="0"/>
+          <a:ext cx="0" cy="0"/>
+          <a:chOff x="0" y="0"/>
+          <a:chExt cx="0" cy="0"/>
+        </a:xfrm>
+      </p:grpSpPr>
+      <p:sp>
+        <p:nvSpPr>
+          <p:cNvPr id="2" name="제목 1">
+            <a:extLst>
+              <a:ext uri="{FF2B5EF4-FFF2-40B4-BE49-F238E27FC236}">
+                <a16:creationId xmlns:a16="http://schemas.microsoft.com/office/drawing/2014/main" id="{58AAD9F9-B1D8-47DC-9CBF-DB976257E804}"/>
+              </a:ext>
+            </a:extLst>
+          </p:cNvPr>
+          <p:cNvSpPr>
+            <a:spLocks noGrp="1"/>
+          </p:cNvSpPr>
+          <p:nvPr>
+            <p:ph type="ctrTitle"/>
+          </p:nvPr>
+        </p:nvSpPr>
+        <p:spPr>
+          <a:xfrm>
+            <a:off x="1444487" y="237781"/>
+            <a:ext cx="9144000" cy="815767"/>
+          </a:xfrm>
+        </p:spPr>
+        <p:txBody>
+          <a:bodyPr anchor="ctr">
+            <a:normAutofit/>
+          </a:bodyPr>
+          <a:lstStyle/>
+          <a:p>
+            <a:r>
+              <a:rPr lang="en-US" altLang="ko-KR" sz="3600" dirty="0"/>
+              <a:t>8. Why React?</a:t>
+            </a:r>
+            <a:endParaRPr lang="ko-KR" altLang="en-US" sz="3600" dirty="0"/>
+          </a:p>
+        </p:txBody>
+      </p:sp>
+      <p:sp>
+        <p:nvSpPr>
+          <p:cNvPr id="7" name="TextBox 6">
+            <a:extLst>
+              <a:ext uri="{FF2B5EF4-FFF2-40B4-BE49-F238E27FC236}">
+                <a16:creationId xmlns:a16="http://schemas.microsoft.com/office/drawing/2014/main" id="{A78CE37C-158E-4FA3-A4AF-E0343DCD4F44}"/>
+              </a:ext>
+            </a:extLst>
+          </p:cNvPr>
+          <p:cNvSpPr txBox="1"/>
+          <p:nvPr/>
+        </p:nvSpPr>
+        <p:spPr>
+          <a:xfrm flipH="1">
+            <a:off x="2474844" y="1654002"/>
+            <a:ext cx="8369411" cy="1477328"/>
+          </a:xfrm>
+          <a:prstGeom prst="rect">
+            <a:avLst/>
+          </a:prstGeom>
+          <a:noFill/>
+        </p:spPr>
+        <p:txBody>
+          <a:bodyPr wrap="square" rtlCol="0">
+            <a:spAutoFit/>
+          </a:bodyPr>
+          <a:lstStyle/>
+          <a:p>
+            <a:pPr marL="342900" indent="-342900">
+              <a:buAutoNum type="arabicPeriod"/>
+            </a:pPr>
+            <a:r>
+              <a:rPr lang="ko-KR" altLang="en-US" dirty="0"/>
+              <a:t>커뮤니티 </a:t>
+            </a:r>
+            <a:r>
+              <a:rPr lang="en-US" altLang="ko-KR" dirty="0"/>
+              <a:t>(Facebook)</a:t>
+            </a:r>
+          </a:p>
+          <a:p>
+            <a:pPr marL="342900" indent="-342900">
+              <a:buAutoNum type="arabicPeriod"/>
+            </a:pPr>
+            <a:r>
+              <a:rPr lang="ko-KR" altLang="en-US" dirty="0"/>
+              <a:t>확장성 </a:t>
+            </a:r>
+            <a:r>
+              <a:rPr lang="en-US" altLang="ko-KR" dirty="0"/>
+              <a:t>Next, Gatsby</a:t>
+            </a:r>
+          </a:p>
+          <a:p>
+            <a:pPr marL="342900" indent="-342900">
+              <a:buAutoNum type="arabicPeriod"/>
+            </a:pPr>
+            <a:r>
+              <a:rPr lang="ko-KR" altLang="en-US" dirty="0" err="1"/>
+              <a:t>리액트</a:t>
+            </a:r>
+            <a:r>
+              <a:rPr lang="ko-KR" altLang="en-US" dirty="0"/>
+              <a:t> 네이티브</a:t>
+            </a:r>
+            <a:endParaRPr lang="en-US" altLang="ko-KR" dirty="0"/>
+          </a:p>
+          <a:p>
+            <a:pPr marL="342900" indent="-342900">
+              <a:buAutoNum type="arabicPeriod"/>
+            </a:pPr>
+            <a:r>
+              <a:rPr lang="ko-KR" altLang="en-US" dirty="0"/>
+              <a:t>경쟁 상대의 부재</a:t>
+            </a:r>
+            <a:endParaRPr lang="en-US" altLang="ko-KR" dirty="0"/>
+          </a:p>
+          <a:p>
+            <a:pPr marL="342900" indent="-342900">
+              <a:buAutoNum type="arabicPeriod"/>
+            </a:pPr>
+            <a:r>
+              <a:rPr lang="ko-KR" altLang="en-US" dirty="0"/>
+              <a:t>채용</a:t>
+            </a:r>
+          </a:p>
+        </p:txBody>
+      </p:sp>
+      <p:sp>
+        <p:nvSpPr>
+          <p:cNvPr id="9" name="제목 1">
+            <a:extLst>
+              <a:ext uri="{FF2B5EF4-FFF2-40B4-BE49-F238E27FC236}">
+                <a16:creationId xmlns:a16="http://schemas.microsoft.com/office/drawing/2014/main" id="{0B7019C5-BE1C-41B8-B8D4-E726AD03462A}"/>
+              </a:ext>
+            </a:extLst>
+          </p:cNvPr>
+          <p:cNvSpPr txBox="1">
+            <a:spLocks/>
+          </p:cNvSpPr>
+          <p:nvPr/>
+        </p:nvSpPr>
+        <p:spPr>
+          <a:xfrm>
+            <a:off x="1524000" y="3726671"/>
+            <a:ext cx="9144000" cy="815767"/>
+          </a:xfrm>
+          <a:prstGeom prst="rect">
+            <a:avLst/>
+          </a:prstGeom>
+        </p:spPr>
+        <p:txBody>
+          <a:bodyPr vert="horz" lIns="91440" tIns="45720" rIns="91440" bIns="45720" rtlCol="0" anchor="ctr">
+            <a:normAutofit/>
+          </a:bodyPr>
+          <a:lstStyle>
+            <a:lvl1pPr algn="ctr" defTabSz="914400" rtl="0" eaLnBrk="1" latinLnBrk="1" hangingPunct="1">
+              <a:lnSpc>
+                <a:spcPct val="90000"/>
+              </a:lnSpc>
+              <a:spcBef>
+                <a:spcPct val="0"/>
+              </a:spcBef>
+              <a:buNone/>
+              <a:defRPr sz="6000" kern="1200">
+                <a:solidFill>
+                  <a:schemeClr val="tx1"/>
+                </a:solidFill>
+                <a:latin typeface="+mj-lt"/>
+                <a:ea typeface="+mj-ea"/>
+                <a:cs typeface="+mj-cs"/>
+              </a:defRPr>
+            </a:lvl1pPr>
+          </a:lstStyle>
+          <a:p>
+            <a:r>
+              <a:rPr lang="en-US" altLang="ko-KR" sz="3600" dirty="0"/>
+              <a:t>9. Why Function Component?</a:t>
+            </a:r>
+            <a:endParaRPr lang="ko-KR" altLang="en-US" sz="3600" dirty="0"/>
+          </a:p>
+        </p:txBody>
+      </p:sp>
+      <p:sp>
+        <p:nvSpPr>
+          <p:cNvPr id="11" name="TextBox 10">
+            <a:extLst>
+              <a:ext uri="{FF2B5EF4-FFF2-40B4-BE49-F238E27FC236}">
+                <a16:creationId xmlns:a16="http://schemas.microsoft.com/office/drawing/2014/main" id="{D6558E2F-C009-4924-BEB2-A96615805ED8}"/>
+              </a:ext>
+            </a:extLst>
+          </p:cNvPr>
+          <p:cNvSpPr txBox="1"/>
+          <p:nvPr/>
+        </p:nvSpPr>
+        <p:spPr>
+          <a:xfrm flipH="1">
+            <a:off x="2554357" y="5142892"/>
+            <a:ext cx="8369411" cy="1200329"/>
+          </a:xfrm>
+          <a:prstGeom prst="rect">
+            <a:avLst/>
+          </a:prstGeom>
+          <a:noFill/>
+        </p:spPr>
+        <p:txBody>
+          <a:bodyPr wrap="square" rtlCol="0">
+            <a:spAutoFit/>
+          </a:bodyPr>
+          <a:lstStyle/>
+          <a:p>
+            <a:pPr marL="342900" indent="-342900">
+              <a:buAutoNum type="arabicPeriod"/>
+            </a:pPr>
+            <a:r>
+              <a:rPr lang="ko-KR" altLang="en-US" dirty="0"/>
+              <a:t>코드 간결</a:t>
+            </a:r>
+            <a:endParaRPr lang="en-US" altLang="ko-KR" dirty="0"/>
+          </a:p>
+          <a:p>
+            <a:pPr marL="342900" indent="-342900">
+              <a:buAutoNum type="arabicPeriod"/>
+            </a:pPr>
+            <a:r>
+              <a:rPr lang="ko-KR" altLang="en-US" dirty="0"/>
+              <a:t>직관적</a:t>
+            </a:r>
+            <a:endParaRPr lang="en-US" altLang="ko-KR" dirty="0"/>
+          </a:p>
+          <a:p>
+            <a:pPr marL="342900" indent="-342900">
+              <a:buAutoNum type="arabicPeriod"/>
+            </a:pPr>
+            <a:r>
+              <a:rPr lang="en-US" altLang="ko-KR" dirty="0"/>
+              <a:t>Hooks</a:t>
+            </a:r>
+          </a:p>
+          <a:p>
+            <a:pPr marL="342900" indent="-342900">
+              <a:buAutoNum type="arabicPeriod"/>
+            </a:pPr>
+            <a:r>
+              <a:rPr lang="ko-KR" altLang="en-US" dirty="0"/>
+              <a:t>비즈니스 로직과 </a:t>
+            </a:r>
+            <a:r>
+              <a:rPr lang="en-US" altLang="ko-KR" dirty="0"/>
+              <a:t>UI </a:t>
+            </a:r>
+            <a:r>
+              <a:rPr lang="ko-KR" altLang="en-US" dirty="0"/>
+              <a:t>로직의 분리</a:t>
+            </a:r>
+          </a:p>
+        </p:txBody>
+      </p:sp>
+    </p:spTree>
+    <p:extLst>
+      <p:ext uri="{BB962C8B-B14F-4D97-AF65-F5344CB8AC3E}">
+        <p14:creationId xmlns:p14="http://schemas.microsoft.com/office/powerpoint/2010/main" val="19780028"/>
       </p:ext>
     </p:extLst>
   </p:cSld>

--- a/TheRED조은강의.pptx
+++ b/TheRED조은강의.pptx
@@ -14,6 +14,9 @@
     <p:sldId id="262" r:id="rId8"/>
     <p:sldId id="263" r:id="rId9"/>
     <p:sldId id="264" r:id="rId10"/>
+    <p:sldId id="265" r:id="rId11"/>
+    <p:sldId id="266" r:id="rId12"/>
+    <p:sldId id="267" r:id="rId13"/>
   </p:sldIdLst>
   <p:sldSz cx="12192000" cy="6858000"/>
   <p:notesSz cx="6858000" cy="9144000"/>
@@ -267,7 +270,7 @@
           <a:p>
             <a:fld id="{BC703249-F1B0-4CB9-82DC-5D06A92D2087}" type="datetimeFigureOut">
               <a:rPr lang="ko-KR" altLang="en-US" smtClean="0"/>
-              <a:t>2022-04-23</a:t>
+              <a:t>2022-04-24</a:t>
             </a:fld>
             <a:endParaRPr lang="ko-KR" altLang="en-US"/>
           </a:p>
@@ -465,7 +468,7 @@
           <a:p>
             <a:fld id="{BC703249-F1B0-4CB9-82DC-5D06A92D2087}" type="datetimeFigureOut">
               <a:rPr lang="ko-KR" altLang="en-US" smtClean="0"/>
-              <a:t>2022-04-23</a:t>
+              <a:t>2022-04-24</a:t>
             </a:fld>
             <a:endParaRPr lang="ko-KR" altLang="en-US"/>
           </a:p>
@@ -673,7 +676,7 @@
           <a:p>
             <a:fld id="{BC703249-F1B0-4CB9-82DC-5D06A92D2087}" type="datetimeFigureOut">
               <a:rPr lang="ko-KR" altLang="en-US" smtClean="0"/>
-              <a:t>2022-04-23</a:t>
+              <a:t>2022-04-24</a:t>
             </a:fld>
             <a:endParaRPr lang="ko-KR" altLang="en-US"/>
           </a:p>
@@ -871,7 +874,7 @@
           <a:p>
             <a:fld id="{BC703249-F1B0-4CB9-82DC-5D06A92D2087}" type="datetimeFigureOut">
               <a:rPr lang="ko-KR" altLang="en-US" smtClean="0"/>
-              <a:t>2022-04-23</a:t>
+              <a:t>2022-04-24</a:t>
             </a:fld>
             <a:endParaRPr lang="ko-KR" altLang="en-US"/>
           </a:p>
@@ -1146,7 +1149,7 @@
           <a:p>
             <a:fld id="{BC703249-F1B0-4CB9-82DC-5D06A92D2087}" type="datetimeFigureOut">
               <a:rPr lang="ko-KR" altLang="en-US" smtClean="0"/>
-              <a:t>2022-04-23</a:t>
+              <a:t>2022-04-24</a:t>
             </a:fld>
             <a:endParaRPr lang="ko-KR" altLang="en-US"/>
           </a:p>
@@ -1411,7 +1414,7 @@
           <a:p>
             <a:fld id="{BC703249-F1B0-4CB9-82DC-5D06A92D2087}" type="datetimeFigureOut">
               <a:rPr lang="ko-KR" altLang="en-US" smtClean="0"/>
-              <a:t>2022-04-23</a:t>
+              <a:t>2022-04-24</a:t>
             </a:fld>
             <a:endParaRPr lang="ko-KR" altLang="en-US"/>
           </a:p>
@@ -1823,7 +1826,7 @@
           <a:p>
             <a:fld id="{BC703249-F1B0-4CB9-82DC-5D06A92D2087}" type="datetimeFigureOut">
               <a:rPr lang="ko-KR" altLang="en-US" smtClean="0"/>
-              <a:t>2022-04-23</a:t>
+              <a:t>2022-04-24</a:t>
             </a:fld>
             <a:endParaRPr lang="ko-KR" altLang="en-US"/>
           </a:p>
@@ -1964,7 +1967,7 @@
           <a:p>
             <a:fld id="{BC703249-F1B0-4CB9-82DC-5D06A92D2087}" type="datetimeFigureOut">
               <a:rPr lang="ko-KR" altLang="en-US" smtClean="0"/>
-              <a:t>2022-04-23</a:t>
+              <a:t>2022-04-24</a:t>
             </a:fld>
             <a:endParaRPr lang="ko-KR" altLang="en-US"/>
           </a:p>
@@ -2077,7 +2080,7 @@
           <a:p>
             <a:fld id="{BC703249-F1B0-4CB9-82DC-5D06A92D2087}" type="datetimeFigureOut">
               <a:rPr lang="ko-KR" altLang="en-US" smtClean="0"/>
-              <a:t>2022-04-23</a:t>
+              <a:t>2022-04-24</a:t>
             </a:fld>
             <a:endParaRPr lang="ko-KR" altLang="en-US"/>
           </a:p>
@@ -2388,7 +2391,7 @@
           <a:p>
             <a:fld id="{BC703249-F1B0-4CB9-82DC-5D06A92D2087}" type="datetimeFigureOut">
               <a:rPr lang="ko-KR" altLang="en-US" smtClean="0"/>
-              <a:t>2022-04-23</a:t>
+              <a:t>2022-04-24</a:t>
             </a:fld>
             <a:endParaRPr lang="ko-KR" altLang="en-US"/>
           </a:p>
@@ -2676,7 +2679,7 @@
           <a:p>
             <a:fld id="{BC703249-F1B0-4CB9-82DC-5D06A92D2087}" type="datetimeFigureOut">
               <a:rPr lang="ko-KR" altLang="en-US" smtClean="0"/>
-              <a:t>2022-04-23</a:t>
+              <a:t>2022-04-24</a:t>
             </a:fld>
             <a:endParaRPr lang="ko-KR" altLang="en-US"/>
           </a:p>
@@ -2917,7 +2920,7 @@
           <a:p>
             <a:fld id="{BC703249-F1B0-4CB9-82DC-5D06A92D2087}" type="datetimeFigureOut">
               <a:rPr lang="ko-KR" altLang="en-US" smtClean="0"/>
-              <a:t>2022-04-23</a:t>
+              <a:t>2022-04-24</a:t>
             </a:fld>
             <a:endParaRPr lang="ko-KR" altLang="en-US"/>
           </a:p>
@@ -3972,6 +3975,944 @@
 </p:sld>
 </file>
 
+<file path=ppt/slides/slide10.xml><?xml version="1.0" encoding="utf-8"?>
+<p:sld xmlns:a="http://schemas.openxmlformats.org/drawingml/2006/main" xmlns:r="http://schemas.openxmlformats.org/officeDocument/2006/relationships" xmlns:p="http://schemas.openxmlformats.org/presentationml/2006/main">
+  <p:cSld>
+    <p:spTree>
+      <p:nvGrpSpPr>
+        <p:cNvPr id="1" name=""/>
+        <p:cNvGrpSpPr/>
+        <p:nvPr/>
+      </p:nvGrpSpPr>
+      <p:grpSpPr>
+        <a:xfrm>
+          <a:off x="0" y="0"/>
+          <a:ext cx="0" cy="0"/>
+          <a:chOff x="0" y="0"/>
+          <a:chExt cx="0" cy="0"/>
+        </a:xfrm>
+      </p:grpSpPr>
+      <p:sp>
+        <p:nvSpPr>
+          <p:cNvPr id="4" name="제목 3">
+            <a:extLst>
+              <a:ext uri="{FF2B5EF4-FFF2-40B4-BE49-F238E27FC236}">
+                <a16:creationId xmlns:a16="http://schemas.microsoft.com/office/drawing/2014/main" id="{AAB434D7-819C-4D56-92B4-CEF93282AE9C}"/>
+              </a:ext>
+            </a:extLst>
+          </p:cNvPr>
+          <p:cNvSpPr>
+            <a:spLocks noGrp="1"/>
+          </p:cNvSpPr>
+          <p:nvPr>
+            <p:ph type="ctrTitle"/>
+          </p:nvPr>
+        </p:nvSpPr>
+        <p:spPr>
+          <a:xfrm>
+            <a:off x="1524000" y="446503"/>
+            <a:ext cx="9144000" cy="805828"/>
+          </a:xfrm>
+        </p:spPr>
+        <p:txBody>
+          <a:bodyPr anchor="ctr">
+            <a:normAutofit/>
+          </a:bodyPr>
+          <a:lstStyle/>
+          <a:p>
+            <a:r>
+              <a:rPr lang="en-US" altLang="ko-KR" sz="3200" dirty="0"/>
+              <a:t>Next</a:t>
+            </a:r>
+            <a:r>
+              <a:rPr lang="ko-KR" altLang="en-US" sz="3200" dirty="0"/>
+              <a:t> 기반 애플리케이션 개발 환경 구성하기</a:t>
+            </a:r>
+          </a:p>
+        </p:txBody>
+      </p:sp>
+      <p:sp>
+        <p:nvSpPr>
+          <p:cNvPr id="5" name="TextBox 4">
+            <a:extLst>
+              <a:ext uri="{FF2B5EF4-FFF2-40B4-BE49-F238E27FC236}">
+                <a16:creationId xmlns:a16="http://schemas.microsoft.com/office/drawing/2014/main" id="{315B1EA5-DD81-4CF1-AC75-5CC5A8BBBFC3}"/>
+              </a:ext>
+            </a:extLst>
+          </p:cNvPr>
+          <p:cNvSpPr txBox="1"/>
+          <p:nvPr/>
+        </p:nvSpPr>
+        <p:spPr>
+          <a:xfrm>
+            <a:off x="1152939" y="1550503"/>
+            <a:ext cx="6162261" cy="2585323"/>
+          </a:xfrm>
+          <a:prstGeom prst="rect">
+            <a:avLst/>
+          </a:prstGeom>
+          <a:noFill/>
+        </p:spPr>
+        <p:txBody>
+          <a:bodyPr wrap="square" rtlCol="0">
+            <a:spAutoFit/>
+          </a:bodyPr>
+          <a:lstStyle/>
+          <a:p>
+            <a:r>
+              <a:rPr lang="en-US" altLang="ko-KR" dirty="0"/>
+              <a:t>1. </a:t>
+            </a:r>
+            <a:r>
+              <a:rPr lang="ko-KR" altLang="en-US" dirty="0"/>
+              <a:t>시작하기에 앞서</a:t>
+            </a:r>
+            <a:endParaRPr lang="en-US" altLang="ko-KR" dirty="0"/>
+          </a:p>
+          <a:p>
+            <a:r>
+              <a:rPr lang="ko-KR" altLang="en-US" dirty="0"/>
+              <a:t>인증 </a:t>
+            </a:r>
+            <a:r>
+              <a:rPr lang="en-US" altLang="ko-KR" dirty="0"/>
+              <a:t>– </a:t>
+            </a:r>
+            <a:r>
+              <a:rPr lang="ko-KR" altLang="en-US" dirty="0"/>
+              <a:t>로그인</a:t>
+            </a:r>
+            <a:r>
+              <a:rPr lang="en-US" altLang="ko-KR" dirty="0"/>
+              <a:t>, </a:t>
+            </a:r>
+            <a:r>
+              <a:rPr lang="ko-KR" altLang="en-US" dirty="0"/>
+              <a:t>회원가입</a:t>
+            </a:r>
+            <a:r>
+              <a:rPr lang="en-US" altLang="ko-KR" dirty="0"/>
+              <a:t>, </a:t>
+            </a:r>
+            <a:r>
+              <a:rPr lang="ko-KR" altLang="en-US" dirty="0"/>
+              <a:t>로그아웃</a:t>
+            </a:r>
+            <a:r>
+              <a:rPr lang="en-US" altLang="ko-KR" dirty="0"/>
+              <a:t>, profile, </a:t>
+            </a:r>
+            <a:r>
+              <a:rPr lang="ko-KR" altLang="en-US" dirty="0"/>
+              <a:t>유저정보</a:t>
+            </a:r>
+            <a:endParaRPr lang="en-US" altLang="ko-KR" dirty="0"/>
+          </a:p>
+          <a:p>
+            <a:r>
+              <a:rPr lang="ko-KR" altLang="en-US" dirty="0"/>
+              <a:t>글로벌 모듈 </a:t>
+            </a:r>
+            <a:r>
+              <a:rPr lang="en-US" altLang="ko-KR" dirty="0"/>
+              <a:t>– GNB, </a:t>
+            </a:r>
+            <a:r>
+              <a:rPr lang="ko-KR" altLang="en-US" dirty="0"/>
+              <a:t>레이어</a:t>
+            </a:r>
+            <a:r>
+              <a:rPr lang="en-US" altLang="ko-KR" dirty="0"/>
+              <a:t>, </a:t>
+            </a:r>
+            <a:r>
+              <a:rPr lang="ko-KR" altLang="en-US" dirty="0" err="1"/>
+              <a:t>푸터</a:t>
+            </a:r>
+            <a:endParaRPr lang="en-US" altLang="ko-KR" dirty="0"/>
+          </a:p>
+          <a:p>
+            <a:r>
+              <a:rPr lang="ko-KR" altLang="en-US" dirty="0"/>
+              <a:t>내부 모듈 </a:t>
+            </a:r>
+            <a:r>
+              <a:rPr lang="en-US" altLang="ko-KR" dirty="0"/>
+              <a:t>– </a:t>
+            </a:r>
+            <a:r>
+              <a:rPr lang="ko-KR" altLang="en-US" dirty="0"/>
+              <a:t>배너</a:t>
+            </a:r>
+            <a:r>
+              <a:rPr lang="en-US" altLang="ko-KR" dirty="0"/>
+              <a:t>, </a:t>
+            </a:r>
+            <a:r>
+              <a:rPr lang="ko-KR" altLang="en-US" dirty="0"/>
+              <a:t>공지사항</a:t>
+            </a:r>
+            <a:r>
+              <a:rPr lang="en-US" altLang="ko-KR" dirty="0"/>
+              <a:t>, </a:t>
+            </a:r>
+            <a:r>
+              <a:rPr lang="ko-KR" altLang="en-US" dirty="0"/>
+              <a:t>강의 목록</a:t>
+            </a:r>
+            <a:endParaRPr lang="en-US" altLang="ko-KR" dirty="0"/>
+          </a:p>
+          <a:p>
+            <a:r>
+              <a:rPr lang="ko-KR" altLang="en-US" dirty="0"/>
+              <a:t>모바일 모듈 </a:t>
+            </a:r>
+            <a:r>
+              <a:rPr lang="en-US" altLang="ko-KR" dirty="0"/>
+              <a:t>– </a:t>
+            </a:r>
+            <a:r>
+              <a:rPr lang="ko-KR" altLang="en-US" dirty="0"/>
+              <a:t>카테고리 목록</a:t>
+            </a:r>
+            <a:endParaRPr lang="en-US" altLang="ko-KR" dirty="0"/>
+          </a:p>
+          <a:p>
+            <a:endParaRPr lang="en-US" altLang="ko-KR" dirty="0"/>
+          </a:p>
+          <a:p>
+            <a:r>
+              <a:rPr lang="ko-KR" altLang="en-US" dirty="0" err="1"/>
+              <a:t>서버사이드렌더링</a:t>
+            </a:r>
+            <a:r>
+              <a:rPr lang="ko-KR" altLang="en-US" dirty="0"/>
+              <a:t> </a:t>
+            </a:r>
+            <a:r>
+              <a:rPr lang="en-US" altLang="ko-KR" dirty="0"/>
+              <a:t>VS </a:t>
+            </a:r>
+            <a:r>
+              <a:rPr lang="ko-KR" altLang="en-US" dirty="0" err="1"/>
+              <a:t>스테틱사이드제너레이션</a:t>
+            </a:r>
+            <a:endParaRPr lang="en-US" altLang="ko-KR" dirty="0"/>
+          </a:p>
+          <a:p>
+            <a:r>
+              <a:rPr lang="ko-KR" altLang="en-US" dirty="0"/>
+              <a:t>강의 상세는 </a:t>
+            </a:r>
+            <a:r>
+              <a:rPr lang="en-US" altLang="ko-KR" dirty="0"/>
+              <a:t>SSG</a:t>
+            </a:r>
+          </a:p>
+          <a:p>
+            <a:r>
+              <a:rPr lang="ko-KR" altLang="en-US" dirty="0"/>
+              <a:t>전체 사이트는 </a:t>
+            </a:r>
+            <a:r>
+              <a:rPr lang="en-US" altLang="ko-KR" dirty="0"/>
+              <a:t>SSR</a:t>
+            </a:r>
+            <a:endParaRPr lang="ko-KR" altLang="en-US" dirty="0"/>
+          </a:p>
+        </p:txBody>
+      </p:sp>
+      <p:sp>
+        <p:nvSpPr>
+          <p:cNvPr id="10" name="TextBox 9">
+            <a:extLst>
+              <a:ext uri="{FF2B5EF4-FFF2-40B4-BE49-F238E27FC236}">
+                <a16:creationId xmlns:a16="http://schemas.microsoft.com/office/drawing/2014/main" id="{CB1AE834-8A1A-400E-AC07-08E2824E4CB2}"/>
+              </a:ext>
+            </a:extLst>
+          </p:cNvPr>
+          <p:cNvSpPr txBox="1"/>
+          <p:nvPr/>
+        </p:nvSpPr>
+        <p:spPr>
+          <a:xfrm>
+            <a:off x="1152938" y="4769634"/>
+            <a:ext cx="6162261" cy="923330"/>
+          </a:xfrm>
+          <a:prstGeom prst="rect">
+            <a:avLst/>
+          </a:prstGeom>
+          <a:noFill/>
+        </p:spPr>
+        <p:txBody>
+          <a:bodyPr wrap="square" rtlCol="0">
+            <a:spAutoFit/>
+          </a:bodyPr>
+          <a:lstStyle/>
+          <a:p>
+            <a:r>
+              <a:rPr lang="en-US" altLang="ko-KR" dirty="0"/>
+              <a:t>2. create-next-app</a:t>
+            </a:r>
+          </a:p>
+          <a:p>
+            <a:r>
+              <a:rPr lang="en-US" altLang="ko-KR" dirty="0"/>
+              <a:t>Next.js </a:t>
+            </a:r>
+          </a:p>
+          <a:p>
+            <a:r>
+              <a:rPr lang="ko-KR" altLang="en-US" dirty="0"/>
+              <a:t>사용하기로 한 기술의 공식문서</a:t>
+            </a:r>
+            <a:r>
+              <a:rPr lang="en-US" altLang="ko-KR" dirty="0"/>
+              <a:t>(</a:t>
+            </a:r>
+            <a:r>
+              <a:rPr lang="ko-KR" altLang="en-US" dirty="0"/>
+              <a:t>가이드라인</a:t>
+            </a:r>
+            <a:r>
+              <a:rPr lang="en-US" altLang="ko-KR" dirty="0"/>
+              <a:t>) </a:t>
+            </a:r>
+            <a:r>
+              <a:rPr lang="ko-KR" altLang="en-US" dirty="0"/>
+              <a:t>읽는 습관화</a:t>
+            </a:r>
+          </a:p>
+        </p:txBody>
+      </p:sp>
+    </p:spTree>
+    <p:extLst>
+      <p:ext uri="{BB962C8B-B14F-4D97-AF65-F5344CB8AC3E}">
+        <p14:creationId xmlns:p14="http://schemas.microsoft.com/office/powerpoint/2010/main" val="3243873900"/>
+      </p:ext>
+    </p:extLst>
+  </p:cSld>
+  <p:clrMapOvr>
+    <a:masterClrMapping/>
+  </p:clrMapOvr>
+</p:sld>
+</file>
+
+<file path=ppt/slides/slide11.xml><?xml version="1.0" encoding="utf-8"?>
+<p:sld xmlns:a="http://schemas.openxmlformats.org/drawingml/2006/main" xmlns:r="http://schemas.openxmlformats.org/officeDocument/2006/relationships" xmlns:p="http://schemas.openxmlformats.org/presentationml/2006/main">
+  <p:cSld>
+    <p:spTree>
+      <p:nvGrpSpPr>
+        <p:cNvPr id="1" name=""/>
+        <p:cNvGrpSpPr/>
+        <p:nvPr/>
+      </p:nvGrpSpPr>
+      <p:grpSpPr>
+        <a:xfrm>
+          <a:off x="0" y="0"/>
+          <a:ext cx="0" cy="0"/>
+          <a:chOff x="0" y="0"/>
+          <a:chExt cx="0" cy="0"/>
+        </a:xfrm>
+      </p:grpSpPr>
+      <p:sp>
+        <p:nvSpPr>
+          <p:cNvPr id="4" name="제목 3">
+            <a:extLst>
+              <a:ext uri="{FF2B5EF4-FFF2-40B4-BE49-F238E27FC236}">
+                <a16:creationId xmlns:a16="http://schemas.microsoft.com/office/drawing/2014/main" id="{AAB434D7-819C-4D56-92B4-CEF93282AE9C}"/>
+              </a:ext>
+            </a:extLst>
+          </p:cNvPr>
+          <p:cNvSpPr>
+            <a:spLocks noGrp="1"/>
+          </p:cNvSpPr>
+          <p:nvPr>
+            <p:ph type="ctrTitle"/>
+          </p:nvPr>
+        </p:nvSpPr>
+        <p:spPr>
+          <a:xfrm>
+            <a:off x="1524000" y="446503"/>
+            <a:ext cx="9144000" cy="805828"/>
+          </a:xfrm>
+        </p:spPr>
+        <p:txBody>
+          <a:bodyPr anchor="ctr">
+            <a:normAutofit/>
+          </a:bodyPr>
+          <a:lstStyle/>
+          <a:p>
+            <a:r>
+              <a:rPr lang="en-US" altLang="ko-KR" sz="3200" dirty="0"/>
+              <a:t>Next</a:t>
+            </a:r>
+            <a:r>
+              <a:rPr lang="ko-KR" altLang="en-US" sz="3200" dirty="0"/>
+              <a:t> 기반 애플리케이션 개발 환경 구성하기</a:t>
+            </a:r>
+          </a:p>
+        </p:txBody>
+      </p:sp>
+      <p:sp>
+        <p:nvSpPr>
+          <p:cNvPr id="5" name="TextBox 4">
+            <a:extLst>
+              <a:ext uri="{FF2B5EF4-FFF2-40B4-BE49-F238E27FC236}">
+                <a16:creationId xmlns:a16="http://schemas.microsoft.com/office/drawing/2014/main" id="{315B1EA5-DD81-4CF1-AC75-5CC5A8BBBFC3}"/>
+              </a:ext>
+            </a:extLst>
+          </p:cNvPr>
+          <p:cNvSpPr txBox="1"/>
+          <p:nvPr/>
+        </p:nvSpPr>
+        <p:spPr>
+          <a:xfrm>
+            <a:off x="1152939" y="1550503"/>
+            <a:ext cx="6162261" cy="5355312"/>
+          </a:xfrm>
+          <a:prstGeom prst="rect">
+            <a:avLst/>
+          </a:prstGeom>
+          <a:noFill/>
+        </p:spPr>
+        <p:txBody>
+          <a:bodyPr wrap="square" rtlCol="0">
+            <a:spAutoFit/>
+          </a:bodyPr>
+          <a:lstStyle/>
+          <a:p>
+            <a:r>
+              <a:rPr lang="en-US" altLang="ko-KR" dirty="0"/>
+              <a:t>3. </a:t>
+            </a:r>
+            <a:r>
+              <a:rPr lang="ko-KR" altLang="en-US" dirty="0"/>
+              <a:t>개발 환경 설정하기 </a:t>
+            </a:r>
+            <a:r>
+              <a:rPr lang="en-US" altLang="ko-KR" dirty="0" err="1"/>
+              <a:t>ESLint</a:t>
+            </a:r>
+            <a:endParaRPr lang="en-US" altLang="ko-KR" dirty="0"/>
+          </a:p>
+          <a:p>
+            <a:r>
+              <a:rPr lang="en-US" altLang="ko-KR" dirty="0"/>
+              <a:t>README</a:t>
+            </a:r>
+            <a:r>
+              <a:rPr lang="ko-KR" altLang="en-US" dirty="0"/>
+              <a:t>는 꼭 작성할 것</a:t>
+            </a:r>
+            <a:r>
+              <a:rPr lang="en-US" altLang="ko-KR" dirty="0"/>
+              <a:t>!!</a:t>
+            </a:r>
+          </a:p>
+          <a:p>
+            <a:r>
+              <a:rPr lang="en-US" altLang="ko-KR" dirty="0"/>
+              <a:t>## Contributor</a:t>
+            </a:r>
+          </a:p>
+          <a:p>
+            <a:pPr marL="285750" indent="-285750">
+              <a:buFontTx/>
+              <a:buChar char="-"/>
+            </a:pPr>
+            <a:r>
+              <a:rPr lang="ko-KR" altLang="en-US" dirty="0"/>
+              <a:t>닉네임</a:t>
+            </a:r>
+            <a:endParaRPr lang="en-US" altLang="ko-KR" dirty="0"/>
+          </a:p>
+          <a:p>
+            <a:r>
+              <a:rPr lang="en-US" altLang="ko-KR" dirty="0"/>
+              <a:t>## Tech Requirement(Tech Stack)</a:t>
+            </a:r>
+          </a:p>
+          <a:p>
+            <a:pPr marL="285750" indent="-285750">
+              <a:buFontTx/>
+              <a:buChar char="-"/>
+            </a:pPr>
+            <a:r>
+              <a:rPr lang="en-US" altLang="ko-KR" dirty="0"/>
+              <a:t>create-next-app</a:t>
+            </a:r>
+          </a:p>
+          <a:p>
+            <a:pPr marL="285750" indent="-285750">
+              <a:buFontTx/>
+              <a:buChar char="-"/>
+            </a:pPr>
+            <a:r>
+              <a:rPr lang="en-US" altLang="ko-KR" dirty="0"/>
+              <a:t>Next.js</a:t>
+            </a:r>
+          </a:p>
+          <a:p>
+            <a:pPr marL="285750" indent="-285750">
+              <a:buFontTx/>
+              <a:buChar char="-"/>
+            </a:pPr>
+            <a:r>
+              <a:rPr lang="en-US" altLang="ko-KR" dirty="0"/>
+              <a:t>TypeScript</a:t>
+            </a:r>
+          </a:p>
+          <a:p>
+            <a:pPr marL="285750" indent="-285750">
+              <a:buFontTx/>
+              <a:buChar char="-"/>
+            </a:pPr>
+            <a:r>
+              <a:rPr lang="en-US" altLang="ko-KR" dirty="0"/>
+              <a:t>Babel </a:t>
+            </a:r>
+            <a:r>
+              <a:rPr lang="ko-KR" altLang="en-US" dirty="0"/>
+              <a:t>설정</a:t>
+            </a:r>
+            <a:r>
+              <a:rPr lang="en-US" altLang="ko-KR" dirty="0"/>
+              <a:t>(IE11 </a:t>
+            </a:r>
+            <a:r>
+              <a:rPr lang="ko-KR" altLang="en-US" dirty="0"/>
+              <a:t>대응</a:t>
+            </a:r>
+            <a:r>
+              <a:rPr lang="en-US" altLang="ko-KR" dirty="0"/>
+              <a:t>)</a:t>
+            </a:r>
+          </a:p>
+          <a:p>
+            <a:r>
+              <a:rPr lang="en-US" altLang="ko-KR" dirty="0"/>
+              <a:t>## Docker</a:t>
+            </a:r>
+          </a:p>
+          <a:p>
+            <a:r>
+              <a:rPr lang="en-US" altLang="ko-KR" dirty="0"/>
+              <a:t>```</a:t>
+            </a:r>
+          </a:p>
+          <a:p>
+            <a:pPr marL="285750" indent="-285750">
+              <a:buFontTx/>
+              <a:buChar char="-"/>
+            </a:pPr>
+            <a:r>
+              <a:rPr lang="en-US" altLang="ko-KR" dirty="0" err="1"/>
+              <a:t>Dockerfile</a:t>
+            </a:r>
+            <a:r>
+              <a:rPr lang="ko-KR" altLang="en-US" dirty="0"/>
+              <a:t>을 이용해서 </a:t>
+            </a:r>
+            <a:r>
+              <a:rPr lang="en-US" altLang="ko-KR" dirty="0"/>
+              <a:t>Docker Container</a:t>
+            </a:r>
+          </a:p>
+          <a:p>
+            <a:pPr marL="285750" indent="-285750">
+              <a:buFontTx/>
+              <a:buChar char="-"/>
+            </a:pPr>
+            <a:r>
+              <a:rPr lang="en-US" altLang="ko-KR" dirty="0"/>
+              <a:t>Docker compose</a:t>
+            </a:r>
+            <a:r>
+              <a:rPr lang="ko-KR" altLang="en-US" dirty="0"/>
+              <a:t>를 사용하고 있습니다</a:t>
+            </a:r>
+            <a:r>
+              <a:rPr lang="en-US" altLang="ko-KR" dirty="0"/>
+              <a:t>.</a:t>
+            </a:r>
+          </a:p>
+          <a:p>
+            <a:r>
+              <a:rPr lang="en-US" altLang="ko-KR" dirty="0"/>
+              <a:t>```</a:t>
+            </a:r>
+          </a:p>
+          <a:p>
+            <a:r>
+              <a:rPr lang="en-US" altLang="ko-KR" dirty="0"/>
+              <a:t>## Script</a:t>
+            </a:r>
+          </a:p>
+          <a:p>
+            <a:r>
+              <a:rPr lang="en-US" altLang="ko-KR" dirty="0"/>
+              <a:t>```</a:t>
+            </a:r>
+          </a:p>
+          <a:p>
+            <a:r>
+              <a:rPr lang="en-US" altLang="ko-KR" dirty="0"/>
+              <a:t>$</a:t>
+            </a:r>
+            <a:r>
+              <a:rPr lang="en-US" altLang="ko-KR" dirty="0" err="1"/>
+              <a:t>npm</a:t>
+            </a:r>
+            <a:r>
+              <a:rPr lang="en-US" altLang="ko-KR" dirty="0"/>
+              <a:t> run dev</a:t>
+            </a:r>
+          </a:p>
+          <a:p>
+            <a:r>
+              <a:rPr lang="en-US" altLang="ko-KR" dirty="0"/>
+              <a:t>```</a:t>
+            </a:r>
+          </a:p>
+          <a:p>
+            <a:endParaRPr lang="ko-KR" altLang="en-US" dirty="0"/>
+          </a:p>
+        </p:txBody>
+      </p:sp>
+    </p:spTree>
+    <p:extLst>
+      <p:ext uri="{BB962C8B-B14F-4D97-AF65-F5344CB8AC3E}">
+        <p14:creationId xmlns:p14="http://schemas.microsoft.com/office/powerpoint/2010/main" val="384992545"/>
+      </p:ext>
+    </p:extLst>
+  </p:cSld>
+  <p:clrMapOvr>
+    <a:masterClrMapping/>
+  </p:clrMapOvr>
+</p:sld>
+</file>
+
+<file path=ppt/slides/slide12.xml><?xml version="1.0" encoding="utf-8"?>
+<p:sld xmlns:a="http://schemas.openxmlformats.org/drawingml/2006/main" xmlns:r="http://schemas.openxmlformats.org/officeDocument/2006/relationships" xmlns:p="http://schemas.openxmlformats.org/presentationml/2006/main">
+  <p:cSld>
+    <p:spTree>
+      <p:nvGrpSpPr>
+        <p:cNvPr id="1" name=""/>
+        <p:cNvGrpSpPr/>
+        <p:nvPr/>
+      </p:nvGrpSpPr>
+      <p:grpSpPr>
+        <a:xfrm>
+          <a:off x="0" y="0"/>
+          <a:ext cx="0" cy="0"/>
+          <a:chOff x="0" y="0"/>
+          <a:chExt cx="0" cy="0"/>
+        </a:xfrm>
+      </p:grpSpPr>
+      <p:sp>
+        <p:nvSpPr>
+          <p:cNvPr id="4" name="제목 3">
+            <a:extLst>
+              <a:ext uri="{FF2B5EF4-FFF2-40B4-BE49-F238E27FC236}">
+                <a16:creationId xmlns:a16="http://schemas.microsoft.com/office/drawing/2014/main" id="{AAB434D7-819C-4D56-92B4-CEF93282AE9C}"/>
+              </a:ext>
+            </a:extLst>
+          </p:cNvPr>
+          <p:cNvSpPr>
+            <a:spLocks noGrp="1"/>
+          </p:cNvSpPr>
+          <p:nvPr>
+            <p:ph type="ctrTitle"/>
+          </p:nvPr>
+        </p:nvSpPr>
+        <p:spPr>
+          <a:xfrm>
+            <a:off x="1524000" y="446503"/>
+            <a:ext cx="9144000" cy="805828"/>
+          </a:xfrm>
+        </p:spPr>
+        <p:txBody>
+          <a:bodyPr anchor="ctr">
+            <a:normAutofit/>
+          </a:bodyPr>
+          <a:lstStyle/>
+          <a:p>
+            <a:r>
+              <a:rPr lang="en-US" altLang="ko-KR" sz="3200" dirty="0"/>
+              <a:t>Next</a:t>
+            </a:r>
+            <a:r>
+              <a:rPr lang="ko-KR" altLang="en-US" sz="3200" dirty="0"/>
+              <a:t> 기반 애플리케이션 개발 환경 구성하기</a:t>
+            </a:r>
+          </a:p>
+        </p:txBody>
+      </p:sp>
+      <p:sp>
+        <p:nvSpPr>
+          <p:cNvPr id="5" name="TextBox 4">
+            <a:extLst>
+              <a:ext uri="{FF2B5EF4-FFF2-40B4-BE49-F238E27FC236}">
+                <a16:creationId xmlns:a16="http://schemas.microsoft.com/office/drawing/2014/main" id="{315B1EA5-DD81-4CF1-AC75-5CC5A8BBBFC3}"/>
+              </a:ext>
+            </a:extLst>
+          </p:cNvPr>
+          <p:cNvSpPr txBox="1"/>
+          <p:nvPr/>
+        </p:nvSpPr>
+        <p:spPr>
+          <a:xfrm>
+            <a:off x="1152939" y="1550503"/>
+            <a:ext cx="6162261" cy="4801314"/>
+          </a:xfrm>
+          <a:prstGeom prst="rect">
+            <a:avLst/>
+          </a:prstGeom>
+          <a:noFill/>
+        </p:spPr>
+        <p:txBody>
+          <a:bodyPr wrap="square" rtlCol="0">
+            <a:spAutoFit/>
+          </a:bodyPr>
+          <a:lstStyle/>
+          <a:p>
+            <a:r>
+              <a:rPr lang="en-US" altLang="ko-KR" dirty="0"/>
+              <a:t>3. </a:t>
+            </a:r>
+            <a:r>
+              <a:rPr lang="ko-KR" altLang="en-US" dirty="0"/>
+              <a:t>개발 환경 설정하기 </a:t>
+            </a:r>
+            <a:r>
+              <a:rPr lang="en-US" altLang="ko-KR" dirty="0" err="1"/>
+              <a:t>ESLint</a:t>
+            </a:r>
+            <a:endParaRPr lang="en-US" altLang="ko-KR" dirty="0"/>
+          </a:p>
+          <a:p>
+            <a:r>
+              <a:rPr lang="en-US" altLang="ko-KR" dirty="0"/>
+              <a:t>Airbnb </a:t>
+            </a:r>
+            <a:r>
+              <a:rPr lang="en-US" altLang="ko-KR" dirty="0" err="1"/>
+              <a:t>eslint</a:t>
+            </a:r>
+            <a:r>
+              <a:rPr lang="en-US" altLang="ko-KR" dirty="0"/>
+              <a:t> typescript </a:t>
+            </a:r>
+            <a:r>
+              <a:rPr lang="ko-KR" altLang="en-US" dirty="0"/>
+              <a:t>검색해서 </a:t>
+            </a:r>
+            <a:r>
+              <a:rPr lang="en-US" altLang="ko-KR" dirty="0"/>
+              <a:t>config </a:t>
+            </a:r>
+            <a:r>
+              <a:rPr lang="en-US" altLang="ko-KR" dirty="0" err="1"/>
+              <a:t>npm</a:t>
+            </a:r>
+            <a:endParaRPr lang="en-US" altLang="ko-KR" dirty="0"/>
+          </a:p>
+          <a:p>
+            <a:r>
+              <a:rPr lang="en-US" altLang="ko-KR" dirty="0" err="1"/>
+              <a:t>npm</a:t>
+            </a:r>
+            <a:r>
+              <a:rPr lang="en-US" altLang="ko-KR" dirty="0"/>
+              <a:t> install~~~~~ --save-dev </a:t>
+            </a:r>
+            <a:r>
+              <a:rPr lang="ko-KR" altLang="en-US" dirty="0"/>
+              <a:t>설치</a:t>
+            </a:r>
+          </a:p>
+          <a:p>
+            <a:endParaRPr lang="en-US" altLang="ko-KR" dirty="0"/>
+          </a:p>
+          <a:p>
+            <a:r>
+              <a:rPr lang="en-US" altLang="ko-KR" dirty="0" err="1"/>
+              <a:t>eslintrc.json</a:t>
+            </a:r>
+            <a:r>
+              <a:rPr lang="ko-KR" altLang="en-US" dirty="0"/>
+              <a:t>에 </a:t>
+            </a:r>
+            <a:r>
+              <a:rPr lang="en-US" altLang="ko-KR" dirty="0"/>
+              <a:t>extends </a:t>
+            </a:r>
+            <a:r>
+              <a:rPr lang="ko-KR" altLang="en-US" dirty="0"/>
+              <a:t>추가</a:t>
+            </a:r>
+            <a:endParaRPr lang="en-US" altLang="ko-KR" dirty="0"/>
+          </a:p>
+          <a:p>
+            <a:endParaRPr lang="en-US" altLang="ko-KR" dirty="0"/>
+          </a:p>
+          <a:p>
+            <a:endParaRPr lang="en-US" altLang="ko-KR" dirty="0"/>
+          </a:p>
+          <a:p>
+            <a:r>
+              <a:rPr lang="en-US" altLang="ko-KR" dirty="0"/>
+              <a:t>4. Jest </a:t>
+            </a:r>
+            <a:r>
+              <a:rPr lang="ko-KR" altLang="en-US" dirty="0"/>
+              <a:t>기반 테스트 환경 설정하기</a:t>
+            </a:r>
+            <a:endParaRPr lang="en-US" altLang="ko-KR" dirty="0"/>
+          </a:p>
+          <a:p>
+            <a:r>
+              <a:rPr lang="en-US" altLang="ko-KR" dirty="0"/>
+              <a:t>## </a:t>
+            </a:r>
+            <a:r>
+              <a:rPr lang="ko-KR" altLang="en-US" dirty="0"/>
+              <a:t>테스트</a:t>
+            </a:r>
+            <a:endParaRPr lang="en-US" altLang="ko-KR" dirty="0"/>
+          </a:p>
+          <a:p>
+            <a:pPr marL="285750" indent="-285750">
+              <a:buFontTx/>
+              <a:buChar char="-"/>
+            </a:pPr>
+            <a:r>
+              <a:rPr lang="ko-KR" altLang="en-US" dirty="0" err="1"/>
+              <a:t>유닛테스트</a:t>
+            </a:r>
+            <a:r>
+              <a:rPr lang="ko-KR" altLang="en-US" dirty="0"/>
+              <a:t> </a:t>
+            </a:r>
+            <a:r>
+              <a:rPr lang="en-US" altLang="ko-KR" dirty="0"/>
+              <a:t>: </a:t>
+            </a:r>
+            <a:r>
+              <a:rPr lang="ko-KR" altLang="en-US" dirty="0"/>
+              <a:t>코드 상으로 기능을 점검</a:t>
+            </a:r>
+            <a:endParaRPr lang="en-US" altLang="ko-KR" dirty="0"/>
+          </a:p>
+          <a:p>
+            <a:pPr marL="285750" indent="-285750">
+              <a:buFontTx/>
+              <a:buChar char="-"/>
+            </a:pPr>
+            <a:r>
+              <a:rPr lang="en-US" altLang="ko-KR" dirty="0"/>
+              <a:t>E2E</a:t>
+            </a:r>
+            <a:r>
+              <a:rPr lang="ko-KR" altLang="en-US" dirty="0"/>
+              <a:t>테스트</a:t>
+            </a:r>
+            <a:r>
+              <a:rPr lang="en-US" altLang="ko-KR" dirty="0"/>
+              <a:t> : </a:t>
+            </a:r>
+            <a:r>
+              <a:rPr lang="ko-KR" altLang="en-US" dirty="0"/>
+              <a:t>실제 동작을 바탕으로 기능을 점검</a:t>
+            </a:r>
+            <a:endParaRPr lang="en-US" altLang="ko-KR" dirty="0"/>
+          </a:p>
+          <a:p>
+            <a:pPr marL="285750" indent="-285750">
+              <a:buFontTx/>
+              <a:buChar char="-"/>
+            </a:pPr>
+            <a:r>
+              <a:rPr lang="en-US" altLang="ko-KR" dirty="0"/>
+              <a:t>Jest</a:t>
+            </a:r>
+          </a:p>
+          <a:p>
+            <a:pPr marL="285750" indent="-285750">
+              <a:buFontTx/>
+              <a:buChar char="-"/>
+            </a:pPr>
+            <a:r>
+              <a:rPr lang="en-US" altLang="ko-KR" dirty="0" err="1"/>
+              <a:t>npm</a:t>
+            </a:r>
+            <a:r>
+              <a:rPr lang="en-US" altLang="ko-KR" dirty="0"/>
+              <a:t> run test</a:t>
+            </a:r>
+          </a:p>
+          <a:p>
+            <a:pPr marL="285750" indent="-285750">
+              <a:buFontTx/>
+              <a:buChar char="-"/>
+            </a:pPr>
+            <a:endParaRPr lang="en-US" altLang="ko-KR" dirty="0"/>
+          </a:p>
+          <a:p>
+            <a:r>
+              <a:rPr lang="en-US" altLang="ko-KR" dirty="0"/>
+              <a:t>5. Docker Container </a:t>
+            </a:r>
+            <a:r>
+              <a:rPr lang="ko-KR" altLang="en-US" dirty="0"/>
+              <a:t>생성하기 </a:t>
+            </a:r>
+            <a:r>
+              <a:rPr lang="en-US" altLang="ko-KR" dirty="0"/>
+              <a:t>(</a:t>
+            </a:r>
+            <a:r>
+              <a:rPr lang="ko-KR" altLang="en-US" dirty="0"/>
+              <a:t>배포 환경 설정</a:t>
+            </a:r>
+            <a:r>
+              <a:rPr lang="en-US" altLang="ko-KR" dirty="0"/>
+              <a:t>)</a:t>
+            </a:r>
+          </a:p>
+          <a:p>
+            <a:endParaRPr lang="en-US" altLang="ko-KR" dirty="0"/>
+          </a:p>
+          <a:p>
+            <a:r>
+              <a:rPr lang="en-US" altLang="ko-KR" dirty="0"/>
+              <a:t>6. </a:t>
+            </a:r>
+            <a:r>
+              <a:rPr lang="en-US" altLang="ko-KR" dirty="0" err="1"/>
+              <a:t>Github</a:t>
+            </a:r>
+            <a:r>
+              <a:rPr lang="en-US" altLang="ko-KR" dirty="0"/>
+              <a:t> Action</a:t>
+            </a:r>
+          </a:p>
+        </p:txBody>
+      </p:sp>
+    </p:spTree>
+    <p:extLst>
+      <p:ext uri="{BB962C8B-B14F-4D97-AF65-F5344CB8AC3E}">
+        <p14:creationId xmlns:p14="http://schemas.microsoft.com/office/powerpoint/2010/main" val="3664724994"/>
+      </p:ext>
+    </p:extLst>
+  </p:cSld>
+  <p:clrMapOvr>
+    <a:masterClrMapping/>
+  </p:clrMapOvr>
+</p:sld>
+</file>
+
 <file path=ppt/slides/slide2.xml><?xml version="1.0" encoding="utf-8"?>
 <p:sld xmlns:a="http://schemas.openxmlformats.org/drawingml/2006/main" xmlns:r="http://schemas.openxmlformats.org/officeDocument/2006/relationships" xmlns:p="http://schemas.openxmlformats.org/presentationml/2006/main">
   <p:cSld>
